--- a/02. PPT/Fall/C++_绪论1.pptx
+++ b/02. PPT/Fall/C++_绪论1.pptx
@@ -6847,41 +6847,19 @@
           <a:lstStyle/>
           <a:p>
             <a:pPr algn="ctr" fontAlgn="ctr">
-              <a:buFont typeface="Monotype Sorts" pitchFamily="2" charset="2"/>
               <a:buNone/>
               <a:defRPr/>
             </a:pPr>
             <a:r>
-              <a:rPr lang="zh-CN" altLang="en-US" sz="4800" b="1" kern="0" dirty="0" smtClean="0">
-                <a:solidFill>
-                  <a:srgbClr val="FF0000"/>
-                </a:solidFill>
-                <a:latin typeface="+mj-lt"/>
-                <a:ea typeface="新宋体" pitchFamily="49" charset="-122"/>
-                <a:cs typeface="+mj-cs"/>
-              </a:rPr>
+              <a:rPr lang="zh-CN" altLang="en-US" sz="4800" b="1" dirty="0" smtClean="0"/>
               <a:t>面向对象程序设计（</a:t>
             </a:r>
             <a:r>
-              <a:rPr lang="en-US" altLang="zh-CN" sz="4800" b="1" kern="0" dirty="0" smtClean="0">
-                <a:solidFill>
-                  <a:srgbClr val="FF0000"/>
-                </a:solidFill>
-                <a:latin typeface="+mj-lt"/>
-                <a:ea typeface="新宋体" pitchFamily="49" charset="-122"/>
-                <a:cs typeface="+mj-cs"/>
-              </a:rPr>
+              <a:rPr lang="en-US" altLang="zh-CN" sz="4800" b="1" dirty="0" smtClean="0"/>
               <a:t>C++</a:t>
             </a:r>
             <a:r>
-              <a:rPr lang="zh-CN" altLang="en-US" sz="4800" b="1" kern="0" dirty="0" smtClean="0">
-                <a:solidFill>
-                  <a:srgbClr val="FF0000"/>
-                </a:solidFill>
-                <a:latin typeface="+mj-lt"/>
-                <a:ea typeface="新宋体" pitchFamily="49" charset="-122"/>
-                <a:cs typeface="+mj-cs"/>
-              </a:rPr>
+              <a:rPr lang="zh-CN" altLang="en-US" sz="4800" b="1" dirty="0" smtClean="0"/>
               <a:t>）</a:t>
             </a:r>
             <a:endParaRPr lang="en-US" altLang="zh-CN" sz="4800" b="1" kern="0" dirty="0">
@@ -6905,7 +6883,7 @@
         </p:nvSpPr>
         <p:spPr bwMode="auto">
           <a:xfrm>
-            <a:off x="3084513" y="4868863"/>
+            <a:off x="2803524" y="4127419"/>
             <a:ext cx="3598862" cy="1052512"/>
           </a:xfrm>
           <a:prstGeom prst="rect">
@@ -6936,16 +6914,6 @@
               <a:defRPr/>
             </a:pPr>
             <a:r>
-              <a:rPr lang="zh-CN" altLang="en-US" sz="2400" b="1" kern="0" dirty="0">
-                <a:solidFill>
-                  <a:srgbClr val="000099"/>
-                </a:solidFill>
-                <a:latin typeface="楷体_GB2312" pitchFamily="49" charset="-122"/>
-                <a:ea typeface="楷体_GB2312" pitchFamily="49" charset="-122"/>
-              </a:rPr>
-              <a:t>主 讲：王红</a:t>
-            </a:r>
-            <a:r>
               <a:rPr lang="zh-CN" altLang="en-US" sz="2400" b="1" kern="0" dirty="0" smtClean="0">
                 <a:solidFill>
                   <a:srgbClr val="000099"/>
@@ -6953,7 +6921,7 @@
                 <a:latin typeface="楷体_GB2312" pitchFamily="49" charset="-122"/>
                 <a:ea typeface="楷体_GB2312" pitchFamily="49" charset="-122"/>
               </a:rPr>
-              <a:t>平</a:t>
+              <a:t>主 讲：王红平</a:t>
             </a:r>
             <a:endParaRPr lang="en-US" altLang="zh-CN" sz="2400" b="1" kern="0" dirty="0">
               <a:solidFill>
@@ -6976,7 +6944,7 @@
               <a:defRPr/>
             </a:pPr>
             <a:r>
-              <a:rPr lang="en-US" altLang="zh-CN" sz="2400" b="1" kern="0" dirty="0">
+              <a:rPr lang="en-US" altLang="zh-CN" sz="2400" b="1" kern="0" dirty="0" smtClean="0">
                 <a:solidFill>
                   <a:srgbClr val="000099"/>
                 </a:solidFill>
@@ -7011,61 +6979,6 @@
               </a:solidFill>
               <a:latin typeface="楷体_GB2312" pitchFamily="49" charset="-122"/>
               <a:ea typeface="楷体_GB2312" pitchFamily="49" charset="-122"/>
-            </a:endParaRPr>
-          </a:p>
-        </p:txBody>
-      </p:sp>
-      <p:sp>
-        <p:nvSpPr>
-          <p:cNvPr id="5" name="Rectangle 2"/>
-          <p:cNvSpPr txBox="1">
-            <a:spLocks noChangeArrowheads="1"/>
-          </p:cNvSpPr>
-          <p:nvPr/>
-        </p:nvSpPr>
-        <p:spPr bwMode="auto">
-          <a:xfrm>
-            <a:off x="3021012" y="3435350"/>
-            <a:ext cx="3163887" cy="1022350"/>
-          </a:xfrm>
-          <a:prstGeom prst="rect">
-            <a:avLst/>
-          </a:prstGeom>
-          <a:noFill/>
-          <a:ln w="9525">
-            <a:noFill/>
-            <a:miter lim="800000"/>
-            <a:headEnd/>
-            <a:tailEnd/>
-          </a:ln>
-        </p:spPr>
-        <p:txBody>
-          <a:bodyPr anchor="ctr"/>
-          <a:lstStyle/>
-          <a:p>
-            <a:pPr algn="ctr" fontAlgn="ctr">
-              <a:buFont typeface="Monotype Sorts" pitchFamily="2" charset="2"/>
-              <a:buNone/>
-              <a:defRPr/>
-            </a:pPr>
-            <a:r>
-              <a:rPr lang="zh-CN" altLang="en-US" sz="4000" b="1" kern="0" dirty="0">
-                <a:solidFill>
-                  <a:srgbClr val="FF0000"/>
-                </a:solidFill>
-                <a:latin typeface="+mj-lt"/>
-                <a:ea typeface="新宋体" pitchFamily="49" charset="-122"/>
-                <a:cs typeface="+mj-cs"/>
-              </a:rPr>
-              <a:t>第一章  绪论</a:t>
-            </a:r>
-            <a:endParaRPr lang="en-US" altLang="zh-CN" sz="4000" b="1" kern="0" dirty="0">
-              <a:solidFill>
-                <a:srgbClr val="FF0000"/>
-              </a:solidFill>
-              <a:latin typeface="+mj-lt"/>
-              <a:ea typeface="新宋体" pitchFamily="49" charset="-122"/>
-              <a:cs typeface="+mj-cs"/>
             </a:endParaRPr>
           </a:p>
         </p:txBody>
@@ -7447,11 +7360,7 @@
           <a:p>
             <a:r>
               <a:rPr lang="zh-CN" altLang="en-US" dirty="0" smtClean="0"/>
-              <a:t>大学</a:t>
-            </a:r>
-            <a:r>
-              <a:rPr lang="zh-CN" altLang="en-US" dirty="0" smtClean="0"/>
-              <a:t>目标 </a:t>
+              <a:t>大学目标 </a:t>
             </a:r>
             <a:r>
               <a:rPr lang="en-US" altLang="zh-CN" dirty="0" smtClean="0">
@@ -7465,11 +7374,7 @@
             </a:r>
             <a:r>
               <a:rPr lang="zh-CN" altLang="en-US" dirty="0" smtClean="0"/>
-              <a:t>需要具备哪些</a:t>
-            </a:r>
-            <a:r>
-              <a:rPr lang="zh-CN" altLang="en-US" dirty="0" smtClean="0"/>
-              <a:t>能力</a:t>
+              <a:t>需要具备哪些能力</a:t>
             </a:r>
             <a:r>
               <a:rPr lang="en-US" altLang="zh-CN" dirty="0" smtClean="0"/>
@@ -7717,11 +7622,7 @@
             <a:pPr lvl="1"/>
             <a:r>
               <a:rPr lang="zh-CN" altLang="en-US" dirty="0" smtClean="0"/>
-              <a:t>遗忘。。</a:t>
-            </a:r>
-            <a:r>
-              <a:rPr lang="zh-CN" altLang="en-US" dirty="0" smtClean="0"/>
-              <a:t>。</a:t>
+              <a:t>遗忘。。。</a:t>
             </a:r>
             <a:endParaRPr lang="en-US" altLang="zh-CN" dirty="0" smtClean="0"/>
           </a:p>
@@ -10480,11 +10381,7 @@
           <a:p>
             <a:r>
               <a:rPr lang="zh-CN" altLang="en-US" dirty="0" smtClean="0"/>
-              <a:t>或者</a:t>
-            </a:r>
-            <a:r>
-              <a:rPr lang="zh-CN" altLang="en-US" dirty="0" smtClean="0"/>
-              <a:t>你觉得程序员很酷，就是想成为一名程序员。</a:t>
+              <a:t>或者你觉得程序员很酷，就是想成为一名程序员。</a:t>
             </a:r>
             <a:endParaRPr lang="en-US" altLang="zh-CN" dirty="0" smtClean="0"/>
           </a:p>
@@ -11012,11 +10909,7 @@
             </a:r>
             <a:r>
               <a:rPr lang="en-US" altLang="zh-CN" sz="3600" dirty="0" smtClean="0"/>
-              <a:t>——Steven </a:t>
-            </a:r>
-            <a:r>
-              <a:rPr lang="en-US" altLang="zh-CN" sz="3600" dirty="0" smtClean="0"/>
-              <a:t>Jobs</a:t>
+              <a:t>——Steven Jobs</a:t>
             </a:r>
             <a:endParaRPr lang="en-US" altLang="zh-CN" sz="3600" dirty="0"/>
           </a:p>
@@ -11034,13 +10927,7 @@
               <a:rPr lang="en-US" altLang="zh-CN" dirty="0" smtClean="0">
                 <a:hlinkClick r:id="rId2"/>
               </a:rPr>
-              <a:t>What Most School </a:t>
-            </a:r>
-            <a:r>
-              <a:rPr lang="en-US" altLang="zh-CN" dirty="0" smtClean="0">
-                <a:hlinkClick r:id="rId2"/>
-              </a:rPr>
-              <a:t>don’t teach</a:t>
+              <a:t>What Most School don’t teach</a:t>
             </a:r>
             <a:r>
               <a:rPr lang="zh-CN" altLang="en-US" dirty="0" smtClean="0"/>
@@ -12399,7 +12286,6 @@
               <a:rPr lang="en-US" altLang="zh-CN" dirty="0" smtClean="0"/>
               <a:t>App</a:t>
             </a:r>
-            <a:endParaRPr lang="en-US" altLang="zh-CN" dirty="0" smtClean="0"/>
           </a:p>
           <a:p>
             <a:r>
@@ -13441,7 +13327,6 @@
               <a:rPr lang="en-US" altLang="zh-CN" dirty="0" smtClean="0"/>
               <a:t>www.code.org</a:t>
             </a:r>
-            <a:endParaRPr lang="en-US" altLang="zh-CN" dirty="0" smtClean="0"/>
           </a:p>
           <a:p>
             <a:r>

--- a/02. PPT/Fall/C++_绪论1.pptx
+++ b/02. PPT/Fall/C++_绪论1.pptx
@@ -6,10 +6,10 @@
     <p:sldMasterId id="2147483656" r:id="rId2"/>
   </p:sldMasterIdLst>
   <p:notesMasterIdLst>
-    <p:notesMasterId r:id="rId25"/>
+    <p:notesMasterId r:id="rId26"/>
   </p:notesMasterIdLst>
   <p:handoutMasterIdLst>
-    <p:handoutMasterId r:id="rId26"/>
+    <p:handoutMasterId r:id="rId27"/>
   </p:handoutMasterIdLst>
   <p:sldIdLst>
     <p:sldId id="588" r:id="rId3"/>
@@ -18,8 +18,8 @@
     <p:sldId id="691" r:id="rId6"/>
     <p:sldId id="693" r:id="rId7"/>
     <p:sldId id="694" r:id="rId8"/>
-    <p:sldId id="696" r:id="rId9"/>
-    <p:sldId id="695" r:id="rId10"/>
+    <p:sldId id="695" r:id="rId9"/>
+    <p:sldId id="696" r:id="rId10"/>
     <p:sldId id="697" r:id="rId11"/>
     <p:sldId id="700" r:id="rId12"/>
     <p:sldId id="705" r:id="rId13"/>
@@ -34,6 +34,7 @@
     <p:sldId id="711" r:id="rId22"/>
     <p:sldId id="712" r:id="rId23"/>
     <p:sldId id="703" r:id="rId24"/>
+    <p:sldId id="713" r:id="rId25"/>
   </p:sldIdLst>
   <p:sldSz cx="9144000" cy="6858000" type="screen4x3"/>
   <p:notesSz cx="6743700" cy="9906000"/>
@@ -13226,78 +13227,126 @@
           <a:p>
             <a:r>
               <a:rPr lang="zh-CN" altLang="en-US" dirty="0" smtClean="0"/>
-              <a:t>国内网站</a:t>
+              <a:t>网络课程</a:t>
             </a:r>
             <a:endParaRPr lang="en-US" altLang="zh-CN" dirty="0" smtClean="0"/>
           </a:p>
           <a:p>
             <a:pPr lvl="1"/>
             <a:r>
-              <a:rPr lang="zh-CN" altLang="en-US" dirty="0" smtClean="0">
+              <a:rPr lang="en-US" altLang="zh-CN" dirty="0">
                 <a:hlinkClick r:id="rId2"/>
               </a:rPr>
-              <a:t>中国最大的</a:t>
-            </a:r>
-            <a:r>
-              <a:rPr lang="en-US" altLang="zh-CN" dirty="0" smtClean="0">
-                <a:hlinkClick r:id="rId2"/>
+              <a:t>Learn C++</a:t>
+            </a:r>
+            <a:r>
+              <a:rPr lang="en-US" altLang="zh-CN" dirty="0"/>
+              <a:t> </a:t>
+            </a:r>
+            <a:r>
+              <a:rPr lang="zh-CN" altLang="en-US" dirty="0" smtClean="0"/>
+              <a:t>（</a:t>
+            </a:r>
+            <a:r>
+              <a:rPr lang="en-US" altLang="zh-CN" dirty="0" smtClean="0"/>
+              <a:t>English</a:t>
+            </a:r>
+            <a:r>
+              <a:rPr lang="zh-CN" altLang="en-US" dirty="0" smtClean="0"/>
+              <a:t>）</a:t>
+            </a:r>
+            <a:endParaRPr lang="en-US" altLang="zh-CN" dirty="0" smtClean="0"/>
+          </a:p>
+          <a:p>
+            <a:pPr lvl="1"/>
+            <a:r>
+              <a:rPr lang="zh-CN" altLang="en-US" dirty="0">
+                <a:hlinkClick r:id="rId3"/>
               </a:rPr>
-              <a:t>IT</a:t>
-            </a:r>
-            <a:r>
-              <a:rPr lang="zh-CN" altLang="en-US" dirty="0" smtClean="0">
-                <a:hlinkClick r:id="rId2"/>
+              <a:t>面向对象程序设计</a:t>
+            </a:r>
+            <a:r>
+              <a:rPr lang="en-US" altLang="zh-CN" dirty="0">
+                <a:hlinkClick r:id="rId3"/>
               </a:rPr>
-              <a:t>技术社区</a:t>
-            </a:r>
-            <a:r>
-              <a:rPr lang="en-US" altLang="zh-CN" dirty="0" smtClean="0">
-                <a:hlinkClick r:id="rId2"/>
+              <a:t>-C++ - </a:t>
+            </a:r>
+            <a:r>
+              <a:rPr lang="zh-CN" altLang="en-US" dirty="0">
+                <a:hlinkClick r:id="rId3"/>
               </a:rPr>
-              <a:t>CSDN</a:t>
-            </a:r>
-            <a:endParaRPr lang="en-US" altLang="zh-CN" dirty="0" smtClean="0"/>
-          </a:p>
-          <a:p>
-            <a:pPr lvl="1"/>
+              <a:t>网易云</a:t>
+            </a:r>
             <a:r>
               <a:rPr lang="zh-CN" altLang="en-US" dirty="0" smtClean="0">
                 <a:hlinkClick r:id="rId3"/>
               </a:rPr>
-              <a:t>微软中文开发者社区</a:t>
-            </a:r>
-            <a:r>
-              <a:rPr lang="en-US" altLang="zh-CN" dirty="0" smtClean="0">
-                <a:hlinkClick r:id="rId3"/>
+              <a:t>课堂</a:t>
+            </a:r>
+            <a:endParaRPr lang="en-US" altLang="zh-CN" dirty="0" smtClean="0"/>
+          </a:p>
+          <a:p>
+            <a:pPr lvl="1"/>
+            <a:r>
+              <a:rPr lang="en-US" altLang="zh-CN" dirty="0" smtClean="0"/>
+              <a:t>www.code.org</a:t>
+            </a:r>
+            <a:endParaRPr lang="en-US" altLang="zh-CN" dirty="0" smtClean="0"/>
+          </a:p>
+          <a:p>
+            <a:r>
+              <a:rPr lang="zh-CN" altLang="en-US" dirty="0" smtClean="0"/>
+              <a:t>查询问题</a:t>
+            </a:r>
+            <a:endParaRPr lang="en-US" altLang="zh-CN" dirty="0" smtClean="0"/>
+          </a:p>
+          <a:p>
+            <a:pPr lvl="1"/>
+            <a:r>
+              <a:rPr lang="zh-CN" altLang="en-US" dirty="0" smtClean="0">
+                <a:hlinkClick r:id="rId4"/>
               </a:rPr>
-              <a:t>MSDN</a:t>
-            </a:r>
-            <a:endParaRPr lang="en-US" altLang="zh-CN" dirty="0"/>
-          </a:p>
-          <a:p>
-            <a:r>
-              <a:rPr lang="zh-CN" altLang="en-US" dirty="0" smtClean="0"/>
-              <a:t>国外网站</a:t>
-            </a:r>
-            <a:endParaRPr lang="en-US" altLang="zh-CN" dirty="0" smtClean="0"/>
-          </a:p>
-          <a:p>
-            <a:pPr lvl="1"/>
+              <a:t>中国</a:t>
+            </a:r>
+            <a:r>
+              <a:rPr lang="zh-CN" altLang="en-US" dirty="0" smtClean="0">
+                <a:hlinkClick r:id="rId4"/>
+              </a:rPr>
+              <a:t>最大的</a:t>
+            </a:r>
             <a:r>
               <a:rPr lang="en-US" altLang="zh-CN" dirty="0" smtClean="0">
                 <a:hlinkClick r:id="rId4"/>
               </a:rPr>
-              <a:t>www.codeproject.com</a:t>
+              <a:t>IT</a:t>
+            </a:r>
+            <a:r>
+              <a:rPr lang="zh-CN" altLang="en-US" dirty="0" smtClean="0">
+                <a:hlinkClick r:id="rId4"/>
+              </a:rPr>
+              <a:t>技术社区</a:t>
+            </a:r>
+            <a:r>
+              <a:rPr lang="en-US" altLang="zh-CN" dirty="0" smtClean="0">
+                <a:hlinkClick r:id="rId4"/>
+              </a:rPr>
+              <a:t>CSDN</a:t>
             </a:r>
             <a:endParaRPr lang="en-US" altLang="zh-CN" dirty="0" smtClean="0"/>
           </a:p>
           <a:p>
             <a:pPr lvl="1"/>
+            <a:r>
+              <a:rPr lang="zh-CN" altLang="en-US" dirty="0" smtClean="0">
+                <a:hlinkClick r:id="rId5"/>
+              </a:rPr>
+              <a:t>微软中文开发者社区</a:t>
+            </a:r>
             <a:r>
               <a:rPr lang="en-US" altLang="zh-CN" dirty="0" smtClean="0">
                 <a:hlinkClick r:id="rId5"/>
               </a:rPr>
-              <a:t>www.codeguru.com</a:t>
+              <a:t>MSDN</a:t>
             </a:r>
             <a:endParaRPr lang="en-US" altLang="zh-CN" dirty="0" smtClean="0"/>
           </a:p>
@@ -13307,7 +13356,14 @@
               <a:rPr lang="en-US" altLang="zh-CN" dirty="0" smtClean="0">
                 <a:hlinkClick r:id="rId6"/>
               </a:rPr>
-              <a:t>www.sourceforge.net</a:t>
+              <a:t>Google</a:t>
+            </a:r>
+            <a:endParaRPr lang="en-US" altLang="zh-CN" dirty="0"/>
+          </a:p>
+          <a:p>
+            <a:r>
+              <a:rPr lang="zh-CN" altLang="en-US" dirty="0" smtClean="0"/>
+              <a:t>国外网站</a:t>
             </a:r>
             <a:endParaRPr lang="en-US" altLang="zh-CN" dirty="0" smtClean="0"/>
           </a:p>
@@ -13317,51 +13373,38 @@
               <a:rPr lang="en-US" altLang="zh-CN" dirty="0" smtClean="0">
                 <a:hlinkClick r:id="rId7"/>
               </a:rPr>
-              <a:t>www.github.com</a:t>
+              <a:t>www.codeproject.com</a:t>
             </a:r>
             <a:endParaRPr lang="en-US" altLang="zh-CN" dirty="0" smtClean="0"/>
           </a:p>
           <a:p>
             <a:pPr lvl="1"/>
             <a:r>
-              <a:rPr lang="en-US" altLang="zh-CN" dirty="0" smtClean="0"/>
-              <a:t>www.code.org</a:t>
-            </a:r>
-          </a:p>
-          <a:p>
-            <a:r>
-              <a:rPr lang="zh-CN" altLang="en-US" sz="3200" dirty="0" smtClean="0"/>
-              <a:t>搜索引擎</a:t>
-            </a:r>
-            <a:endParaRPr lang="en-US" altLang="zh-CN" sz="3200" dirty="0" smtClean="0"/>
-          </a:p>
-          <a:p>
-            <a:pPr lvl="1"/>
-            <a:r>
-              <a:rPr lang="en-US" altLang="zh-CN" sz="2800" dirty="0" smtClean="0">
+              <a:rPr lang="en-US" altLang="zh-CN" dirty="0" smtClean="0">
                 <a:hlinkClick r:id="rId8"/>
               </a:rPr>
-              <a:t>www.google.com.hk</a:t>
-            </a:r>
-            <a:endParaRPr lang="en-US" altLang="zh-CN" sz="2800" dirty="0" smtClean="0"/>
+              <a:t>www.codeguru.com</a:t>
+            </a:r>
+            <a:endParaRPr lang="en-US" altLang="zh-CN" dirty="0" smtClean="0"/>
           </a:p>
           <a:p>
             <a:pPr lvl="1"/>
             <a:r>
-              <a:rPr lang="en-US" altLang="zh-CN" sz="2800" dirty="0" smtClean="0"/>
-              <a:t>www.zhihu.com</a:t>
-            </a:r>
-            <a:endParaRPr lang="zh-CN" altLang="en-US" sz="2800" b="1" dirty="0">
-              <a:effectLst>
-                <a:outerShdw blurRad="38100" dist="38100" dir="2700000" algn="tl">
-                  <a:srgbClr val="C0C0C0"/>
-                </a:outerShdw>
-              </a:effectLst>
-              <a:latin typeface="Times New Roman" pitchFamily="18" charset="0"/>
-              <a:ea typeface="黑体" pitchFamily="2" charset="-122"/>
-            </a:endParaRPr>
-          </a:p>
-          <a:p>
+              <a:rPr lang="en-US" altLang="zh-CN" dirty="0" smtClean="0">
+                <a:hlinkClick r:id="rId9"/>
+              </a:rPr>
+              <a:t>www.sourceforge.net</a:t>
+            </a:r>
+            <a:endParaRPr lang="en-US" altLang="zh-CN" dirty="0" smtClean="0"/>
+          </a:p>
+          <a:p>
+            <a:pPr lvl="1"/>
+            <a:r>
+              <a:rPr lang="en-US" altLang="zh-CN" dirty="0" smtClean="0">
+                <a:hlinkClick r:id="rId10"/>
+              </a:rPr>
+              <a:t>www.github.com</a:t>
+            </a:r>
             <a:endParaRPr lang="zh-CN" altLang="en-US" dirty="0"/>
           </a:p>
         </p:txBody>
@@ -13386,6 +13429,116 @@
       </p:par>
     </p:tnLst>
   </p:timing>
+</p:sld>
+</file>
+
+<file path=ppt/slides/slide23.xml><?xml version="1.0" encoding="utf-8"?>
+<p:sld xmlns:a="http://schemas.openxmlformats.org/drawingml/2006/main" xmlns:r="http://schemas.openxmlformats.org/officeDocument/2006/relationships" xmlns:p="http://schemas.openxmlformats.org/presentationml/2006/main">
+  <p:cSld>
+    <p:spTree>
+      <p:nvGrpSpPr>
+        <p:cNvPr id="1" name=""/>
+        <p:cNvGrpSpPr/>
+        <p:nvPr/>
+      </p:nvGrpSpPr>
+      <p:grpSpPr>
+        <a:xfrm>
+          <a:off x="0" y="0"/>
+          <a:ext cx="0" cy="0"/>
+          <a:chOff x="0" y="0"/>
+          <a:chExt cx="0" cy="0"/>
+        </a:xfrm>
+      </p:grpSpPr>
+      <p:sp>
+        <p:nvSpPr>
+          <p:cNvPr id="2" name="标题 1"/>
+          <p:cNvSpPr>
+            <a:spLocks noGrp="1"/>
+          </p:cNvSpPr>
+          <p:nvPr>
+            <p:ph type="title"/>
+          </p:nvPr>
+        </p:nvSpPr>
+        <p:spPr/>
+        <p:txBody>
+          <a:bodyPr/>
+          <a:lstStyle/>
+          <a:p>
+            <a:r>
+              <a:rPr lang="zh-CN" altLang="en-US" dirty="0" smtClean="0"/>
+              <a:t>课件资源</a:t>
+            </a:r>
+            <a:endParaRPr lang="zh-CN" altLang="en-US" dirty="0"/>
+          </a:p>
+        </p:txBody>
+      </p:sp>
+      <p:sp>
+        <p:nvSpPr>
+          <p:cNvPr id="3" name="内容占位符 2"/>
+          <p:cNvSpPr>
+            <a:spLocks noGrp="1"/>
+          </p:cNvSpPr>
+          <p:nvPr>
+            <p:ph idx="1"/>
+          </p:nvPr>
+        </p:nvSpPr>
+        <p:spPr/>
+        <p:txBody>
+          <a:bodyPr/>
+          <a:lstStyle/>
+          <a:p>
+            <a:r>
+              <a:rPr lang="en-US" altLang="zh-CN" dirty="0">
+                <a:hlinkClick r:id="rId2"/>
+              </a:rPr>
+              <a:t>https://cugwhp.github.io/OOPCPP</a:t>
+            </a:r>
+            <a:r>
+              <a:rPr lang="en-US" altLang="zh-CN" dirty="0" smtClean="0">
+                <a:hlinkClick r:id="rId2"/>
+              </a:rPr>
+              <a:t>/</a:t>
+            </a:r>
+            <a:endParaRPr lang="en-US" altLang="zh-CN" dirty="0" smtClean="0"/>
+          </a:p>
+        </p:txBody>
+      </p:sp>
+      <p:pic>
+        <p:nvPicPr>
+          <p:cNvPr id="4" name="图片 3"/>
+          <p:cNvPicPr>
+            <a:picLocks noChangeAspect="1"/>
+          </p:cNvPicPr>
+          <p:nvPr/>
+        </p:nvPicPr>
+        <p:blipFill rotWithShape="1">
+          <a:blip r:embed="rId3"/>
+          <a:srcRect l="13232" t="-306" r="14310" b="38500"/>
+          <a:stretch/>
+        </p:blipFill>
+        <p:spPr>
+          <a:xfrm>
+            <a:off x="457200" y="1552188"/>
+            <a:ext cx="8630844" cy="4139164"/>
+          </a:xfrm>
+          <a:prstGeom prst="rect">
+            <a:avLst/>
+          </a:prstGeom>
+        </p:spPr>
+      </p:pic>
+    </p:spTree>
+    <p:extLst>
+      <p:ext uri="{BB962C8B-B14F-4D97-AF65-F5344CB8AC3E}">
+        <p14:creationId xmlns:p14="http://schemas.microsoft.com/office/powerpoint/2010/main" val="1423995864"/>
+      </p:ext>
+    </p:extLst>
+  </p:cSld>
+  <p:clrMapOvr>
+    <a:masterClrMapping/>
+  </p:clrMapOvr>
+  <p:transition>
+    <p:pull dir="ru"/>
+  </p:transition>
 </p:sld>
 </file>
 
@@ -14695,10 +14848,957 @@
           </a:p>
         </p:txBody>
       </p:sp>
+      <p:graphicFrame>
+        <p:nvGraphicFramePr>
+          <p:cNvPr id="8" name="内容占位符 5"/>
+          <p:cNvGraphicFramePr>
+            <a:graphicFrameLocks/>
+          </p:cNvGraphicFramePr>
+          <p:nvPr>
+            <p:extLst>
+              <p:ext uri="{D42A27DB-BD31-4B8C-83A1-F6EECF244321}">
+                <p14:modId xmlns:p14="http://schemas.microsoft.com/office/powerpoint/2010/main" val="2305038853"/>
+              </p:ext>
+            </p:extLst>
+          </p:nvPr>
+        </p:nvGraphicFramePr>
+        <p:xfrm>
+          <a:off x="457200" y="1270649"/>
+          <a:ext cx="8229600" cy="4217725"/>
+        </p:xfrm>
+        <a:graphic>
+          <a:graphicData uri="http://schemas.openxmlformats.org/drawingml/2006/table">
+            <a:tbl>
+              <a:tblPr firstRow="1" bandRow="1">
+                <a:tableStyleId>{073A0DAA-6AF3-43AB-8588-CEC1D06C72B9}</a:tableStyleId>
+              </a:tblPr>
+              <a:tblGrid>
+                <a:gridCol w="1623848"/>
+                <a:gridCol w="6605752"/>
+              </a:tblGrid>
+              <a:tr h="370840">
+                <a:tc>
+                  <a:txBody>
+                    <a:bodyPr/>
+                    <a:lstStyle/>
+                    <a:p>
+                      <a:pPr algn="ctr"/>
+                      <a:r>
+                        <a:rPr lang="zh-CN" altLang="en-US" sz="2400" dirty="0" smtClean="0"/>
+                        <a:t>序号</a:t>
+                      </a:r>
+                      <a:endParaRPr lang="zh-CN" altLang="en-US" sz="2400" dirty="0"/>
+                    </a:p>
+                  </a:txBody>
+                  <a:tcPr/>
+                </a:tc>
+                <a:tc>
+                  <a:txBody>
+                    <a:bodyPr/>
+                    <a:lstStyle/>
+                    <a:p>
+                      <a:pPr algn="ctr"/>
+                      <a:r>
+                        <a:rPr lang="zh-CN" altLang="en-US" sz="2400" dirty="0" smtClean="0"/>
+                        <a:t>内容</a:t>
+                      </a:r>
+                      <a:endParaRPr lang="zh-CN" altLang="en-US" sz="2400" dirty="0"/>
+                    </a:p>
+                  </a:txBody>
+                  <a:tcPr/>
+                </a:tc>
+              </a:tr>
+              <a:tr h="422965">
+                <a:tc>
+                  <a:txBody>
+                    <a:bodyPr/>
+                    <a:lstStyle/>
+                    <a:p>
+                      <a:pPr algn="ctr">
+                        <a:spcAft>
+                          <a:spcPts val="0"/>
+                        </a:spcAft>
+                      </a:pPr>
+                      <a:r>
+                        <a:rPr lang="en-US" altLang="zh-CN" sz="2400" kern="100" dirty="0" smtClean="0">
+                          <a:effectLst/>
+                          <a:latin typeface="Times New Roman" panose="02020603050405020304" pitchFamily="18" charset="0"/>
+                          <a:ea typeface="宋体" panose="02010600030101010101" pitchFamily="2" charset="-122"/>
+                        </a:rPr>
+                        <a:t>1</a:t>
+                      </a:r>
+                      <a:endParaRPr lang="zh-CN" sz="2400" kern="100" dirty="0">
+                        <a:effectLst/>
+                        <a:latin typeface="Times New Roman" panose="02020603050405020304" pitchFamily="18" charset="0"/>
+                        <a:ea typeface="宋体" panose="02010600030101010101" pitchFamily="2" charset="-122"/>
+                      </a:endParaRPr>
+                    </a:p>
+                  </a:txBody>
+                  <a:tcPr marL="68580" marR="68580" marT="0" marB="0"/>
+                </a:tc>
+                <a:tc>
+                  <a:txBody>
+                    <a:bodyPr/>
+                    <a:lstStyle/>
+                    <a:p>
+                      <a:pPr algn="just">
+                        <a:spcAft>
+                          <a:spcPts val="0"/>
+                        </a:spcAft>
+                      </a:pPr>
+                      <a:r>
+                        <a:rPr lang="zh-CN" altLang="en-US" sz="2400" kern="100" dirty="0" smtClean="0">
+                          <a:effectLst/>
+                          <a:latin typeface="Times New Roman" panose="02020603050405020304" pitchFamily="18" charset="0"/>
+                          <a:ea typeface="宋体" panose="02010600030101010101" pitchFamily="2" charset="-122"/>
+                        </a:rPr>
+                        <a:t>第一章 </a:t>
+                      </a:r>
+                      <a:r>
+                        <a:rPr lang="zh-CN" sz="2400" kern="100" dirty="0" smtClean="0">
+                          <a:effectLst/>
+                          <a:latin typeface="Times New Roman" panose="02020603050405020304" pitchFamily="18" charset="0"/>
+                          <a:ea typeface="宋体" panose="02010600030101010101" pitchFamily="2" charset="-122"/>
+                        </a:rPr>
+                        <a:t>绪论</a:t>
+                      </a:r>
+                      <a:r>
+                        <a:rPr lang="en-US" sz="2400" kern="100" dirty="0" smtClean="0">
+                          <a:effectLst/>
+                          <a:latin typeface="Times New Roman" panose="02020603050405020304" pitchFamily="18" charset="0"/>
+                          <a:ea typeface="宋体" panose="02010600030101010101" pitchFamily="2" charset="-122"/>
+                        </a:rPr>
+                        <a:t>C</a:t>
+                      </a:r>
+                      <a:r>
+                        <a:rPr lang="zh-CN" sz="2400" kern="100" dirty="0">
+                          <a:effectLst/>
+                          <a:latin typeface="Times New Roman" panose="02020603050405020304" pitchFamily="18" charset="0"/>
+                          <a:ea typeface="宋体" panose="02010600030101010101" pitchFamily="2" charset="-122"/>
+                        </a:rPr>
+                        <a:t>＋＋语言</a:t>
+                      </a:r>
+                      <a:r>
+                        <a:rPr lang="zh-CN" sz="2400" kern="100" dirty="0" smtClean="0">
+                          <a:effectLst/>
+                          <a:latin typeface="Times New Roman" panose="02020603050405020304" pitchFamily="18" charset="0"/>
+                          <a:ea typeface="宋体" panose="02010600030101010101" pitchFamily="2" charset="-122"/>
+                        </a:rPr>
+                        <a:t>概述</a:t>
+                      </a:r>
+                      <a:endParaRPr lang="zh-CN" sz="2400" kern="100" dirty="0">
+                        <a:effectLst/>
+                        <a:latin typeface="Times New Roman" panose="02020603050405020304" pitchFamily="18" charset="0"/>
+                        <a:ea typeface="宋体" panose="02010600030101010101" pitchFamily="2" charset="-122"/>
+                      </a:endParaRPr>
+                    </a:p>
+                  </a:txBody>
+                  <a:tcPr marL="68580" marR="68580" marT="0" marB="0"/>
+                </a:tc>
+              </a:tr>
+              <a:tr h="370840">
+                <a:tc>
+                  <a:txBody>
+                    <a:bodyPr/>
+                    <a:lstStyle/>
+                    <a:p>
+                      <a:pPr algn="ctr">
+                        <a:spcAft>
+                          <a:spcPts val="0"/>
+                        </a:spcAft>
+                      </a:pPr>
+                      <a:r>
+                        <a:rPr lang="en-US" sz="2400" kern="100">
+                          <a:effectLst/>
+                          <a:latin typeface="Times New Roman" panose="02020603050405020304" pitchFamily="18" charset="0"/>
+                          <a:ea typeface="宋体" panose="02010600030101010101" pitchFamily="2" charset="-122"/>
+                        </a:rPr>
+                        <a:t>2</a:t>
+                      </a:r>
+                      <a:endParaRPr lang="zh-CN" sz="2400" kern="100">
+                        <a:effectLst/>
+                        <a:latin typeface="Times New Roman" panose="02020603050405020304" pitchFamily="18" charset="0"/>
+                        <a:ea typeface="宋体" panose="02010600030101010101" pitchFamily="2" charset="-122"/>
+                      </a:endParaRPr>
+                    </a:p>
+                  </a:txBody>
+                  <a:tcPr marL="68580" marR="68580" marT="0" marB="0"/>
+                </a:tc>
+                <a:tc>
+                  <a:txBody>
+                    <a:bodyPr/>
+                    <a:lstStyle/>
+                    <a:p>
+                      <a:pPr algn="just">
+                        <a:spcAft>
+                          <a:spcPts val="0"/>
+                        </a:spcAft>
+                      </a:pPr>
+                      <a:r>
+                        <a:rPr lang="zh-CN" sz="2400" kern="100" dirty="0">
+                          <a:effectLst/>
+                          <a:latin typeface="Times New Roman" panose="02020603050405020304" pitchFamily="18" charset="0"/>
+                          <a:ea typeface="宋体" panose="02010600030101010101" pitchFamily="2" charset="-122"/>
+                        </a:rPr>
+                        <a:t>第二章</a:t>
+                      </a:r>
+                      <a:r>
+                        <a:rPr lang="en-US" sz="2400" kern="100" dirty="0">
+                          <a:effectLst/>
+                          <a:latin typeface="Times New Roman" panose="02020603050405020304" pitchFamily="18" charset="0"/>
+                          <a:ea typeface="宋体" panose="02010600030101010101" pitchFamily="2" charset="-122"/>
+                        </a:rPr>
+                        <a:t> </a:t>
+                      </a:r>
+                      <a:r>
+                        <a:rPr lang="en-US" sz="2400" kern="100" dirty="0" smtClean="0">
+                          <a:effectLst/>
+                          <a:latin typeface="Times New Roman" panose="02020603050405020304" pitchFamily="18" charset="0"/>
+                          <a:ea typeface="宋体" panose="02010600030101010101" pitchFamily="2" charset="-122"/>
+                        </a:rPr>
+                        <a:t>C</a:t>
+                      </a:r>
+                      <a:r>
+                        <a:rPr lang="en-US" sz="2400" kern="100" dirty="0">
+                          <a:effectLst/>
+                          <a:latin typeface="Times New Roman" panose="02020603050405020304" pitchFamily="18" charset="0"/>
+                          <a:ea typeface="宋体" panose="02010600030101010101" pitchFamily="2" charset="-122"/>
+                        </a:rPr>
+                        <a:t>++</a:t>
+                      </a:r>
+                      <a:r>
+                        <a:rPr lang="zh-CN" sz="2400" kern="100" dirty="0">
+                          <a:effectLst/>
+                          <a:latin typeface="Times New Roman" panose="02020603050405020304" pitchFamily="18" charset="0"/>
+                          <a:ea typeface="宋体" panose="02010600030101010101" pitchFamily="2" charset="-122"/>
+                        </a:rPr>
+                        <a:t>基本数据类型、</a:t>
+                      </a:r>
+                      <a:r>
+                        <a:rPr lang="zh-CN" sz="2400" kern="100" dirty="0" smtClean="0">
+                          <a:effectLst/>
+                          <a:latin typeface="Times New Roman" panose="02020603050405020304" pitchFamily="18" charset="0"/>
+                          <a:ea typeface="宋体" panose="02010600030101010101" pitchFamily="2" charset="-122"/>
+                        </a:rPr>
+                        <a:t>表达式</a:t>
+                      </a:r>
+                      <a:endParaRPr lang="zh-CN" sz="2400" kern="100" dirty="0">
+                        <a:effectLst/>
+                        <a:latin typeface="Times New Roman" panose="02020603050405020304" pitchFamily="18" charset="0"/>
+                        <a:ea typeface="宋体" panose="02010600030101010101" pitchFamily="2" charset="-122"/>
+                      </a:endParaRPr>
+                    </a:p>
+                  </a:txBody>
+                  <a:tcPr marL="68580" marR="68580" marT="0" marB="0"/>
+                </a:tc>
+              </a:tr>
+              <a:tr h="370840">
+                <a:tc>
+                  <a:txBody>
+                    <a:bodyPr/>
+                    <a:lstStyle/>
+                    <a:p>
+                      <a:pPr algn="ctr">
+                        <a:spcAft>
+                          <a:spcPts val="0"/>
+                        </a:spcAft>
+                      </a:pPr>
+                      <a:r>
+                        <a:rPr lang="en-US" sz="2400" kern="100">
+                          <a:effectLst/>
+                          <a:latin typeface="Times New Roman" panose="02020603050405020304" pitchFamily="18" charset="0"/>
+                          <a:ea typeface="宋体" panose="02010600030101010101" pitchFamily="2" charset="-122"/>
+                        </a:rPr>
+                        <a:t>3</a:t>
+                      </a:r>
+                      <a:endParaRPr lang="zh-CN" sz="2400" kern="100">
+                        <a:effectLst/>
+                        <a:latin typeface="Times New Roman" panose="02020603050405020304" pitchFamily="18" charset="0"/>
+                        <a:ea typeface="宋体" panose="02010600030101010101" pitchFamily="2" charset="-122"/>
+                      </a:endParaRPr>
+                    </a:p>
+                  </a:txBody>
+                  <a:tcPr marL="68580" marR="68580" marT="0" marB="0"/>
+                </a:tc>
+                <a:tc>
+                  <a:txBody>
+                    <a:bodyPr/>
+                    <a:lstStyle/>
+                    <a:p>
+                      <a:pPr algn="just">
+                        <a:spcAft>
+                          <a:spcPts val="0"/>
+                        </a:spcAft>
+                      </a:pPr>
+                      <a:r>
+                        <a:rPr lang="zh-CN" sz="2400" kern="100" dirty="0">
+                          <a:effectLst/>
+                          <a:latin typeface="Times New Roman" panose="02020603050405020304" pitchFamily="18" charset="0"/>
+                          <a:ea typeface="宋体" panose="02010600030101010101" pitchFamily="2" charset="-122"/>
+                        </a:rPr>
+                        <a:t>第三章 </a:t>
+                      </a:r>
+                      <a:r>
+                        <a:rPr lang="zh-CN" sz="2400" kern="100" dirty="0" smtClean="0">
+                          <a:effectLst/>
+                          <a:latin typeface="Times New Roman" panose="02020603050405020304" pitchFamily="18" charset="0"/>
+                          <a:ea typeface="宋体" panose="02010600030101010101" pitchFamily="2" charset="-122"/>
+                        </a:rPr>
+                        <a:t>算法</a:t>
+                      </a:r>
+                      <a:r>
+                        <a:rPr lang="zh-CN" sz="2400" kern="100" dirty="0">
+                          <a:effectLst/>
+                          <a:latin typeface="Times New Roman" panose="02020603050405020304" pitchFamily="18" charset="0"/>
+                          <a:ea typeface="宋体" panose="02010600030101010101" pitchFamily="2" charset="-122"/>
+                        </a:rPr>
+                        <a:t>的基本控制结构：循环、其它</a:t>
+                      </a:r>
+                      <a:r>
+                        <a:rPr lang="zh-CN" sz="2400" kern="100" dirty="0" smtClean="0">
+                          <a:effectLst/>
+                          <a:latin typeface="Times New Roman" panose="02020603050405020304" pitchFamily="18" charset="0"/>
+                          <a:ea typeface="宋体" panose="02010600030101010101" pitchFamily="2" charset="-122"/>
+                        </a:rPr>
+                        <a:t>控制</a:t>
+                      </a:r>
+                      <a:endParaRPr lang="zh-CN" sz="2400" kern="100" dirty="0">
+                        <a:effectLst/>
+                        <a:latin typeface="Times New Roman" panose="02020603050405020304" pitchFamily="18" charset="0"/>
+                        <a:ea typeface="宋体" panose="02010600030101010101" pitchFamily="2" charset="-122"/>
+                      </a:endParaRPr>
+                    </a:p>
+                  </a:txBody>
+                  <a:tcPr marL="68580" marR="68580" marT="0" marB="0"/>
+                </a:tc>
+              </a:tr>
+              <a:tr h="370840">
+                <a:tc>
+                  <a:txBody>
+                    <a:bodyPr/>
+                    <a:lstStyle/>
+                    <a:p>
+                      <a:pPr algn="ctr">
+                        <a:spcAft>
+                          <a:spcPts val="0"/>
+                        </a:spcAft>
+                      </a:pPr>
+                      <a:r>
+                        <a:rPr lang="en-US" sz="2400" kern="100">
+                          <a:effectLst/>
+                          <a:latin typeface="Times New Roman" panose="02020603050405020304" pitchFamily="18" charset="0"/>
+                          <a:ea typeface="宋体" panose="02010600030101010101" pitchFamily="2" charset="-122"/>
+                        </a:rPr>
+                        <a:t>4</a:t>
+                      </a:r>
+                      <a:endParaRPr lang="zh-CN" sz="2400" kern="100">
+                        <a:effectLst/>
+                        <a:latin typeface="Times New Roman" panose="02020603050405020304" pitchFamily="18" charset="0"/>
+                        <a:ea typeface="宋体" panose="02010600030101010101" pitchFamily="2" charset="-122"/>
+                      </a:endParaRPr>
+                    </a:p>
+                  </a:txBody>
+                  <a:tcPr marL="68580" marR="68580" marT="0" marB="0"/>
+                </a:tc>
+                <a:tc>
+                  <a:txBody>
+                    <a:bodyPr/>
+                    <a:lstStyle/>
+                    <a:p>
+                      <a:pPr algn="just">
+                        <a:spcAft>
+                          <a:spcPts val="0"/>
+                        </a:spcAft>
+                      </a:pPr>
+                      <a:r>
+                        <a:rPr lang="zh-CN" sz="2400" kern="100" dirty="0">
+                          <a:effectLst/>
+                          <a:latin typeface="Times New Roman" panose="02020603050405020304" pitchFamily="18" charset="0"/>
+                          <a:ea typeface="宋体" panose="02010600030101010101" pitchFamily="2" charset="-122"/>
+                        </a:rPr>
+                        <a:t>第三章 </a:t>
+                      </a:r>
+                      <a:r>
+                        <a:rPr lang="zh-CN" sz="2400" kern="100" dirty="0" smtClean="0">
+                          <a:effectLst/>
+                          <a:latin typeface="Times New Roman" panose="02020603050405020304" pitchFamily="18" charset="0"/>
+                          <a:ea typeface="宋体" panose="02010600030101010101" pitchFamily="2" charset="-122"/>
+                        </a:rPr>
+                        <a:t>自定义</a:t>
+                      </a:r>
+                      <a:r>
+                        <a:rPr lang="zh-CN" sz="2400" kern="100" dirty="0">
+                          <a:effectLst/>
+                          <a:latin typeface="Times New Roman" panose="02020603050405020304" pitchFamily="18" charset="0"/>
+                          <a:ea typeface="宋体" panose="02010600030101010101" pitchFamily="2" charset="-122"/>
+                        </a:rPr>
+                        <a:t>数据类型：枚举、结构、</a:t>
+                      </a:r>
+                      <a:r>
+                        <a:rPr lang="zh-CN" sz="2400" kern="100" dirty="0" smtClean="0">
+                          <a:effectLst/>
+                          <a:latin typeface="Times New Roman" panose="02020603050405020304" pitchFamily="18" charset="0"/>
+                          <a:ea typeface="宋体" panose="02010600030101010101" pitchFamily="2" charset="-122"/>
+                        </a:rPr>
+                        <a:t>联合体</a:t>
+                      </a:r>
+                      <a:endParaRPr lang="zh-CN" sz="2400" kern="100" dirty="0">
+                        <a:effectLst/>
+                        <a:latin typeface="Times New Roman" panose="02020603050405020304" pitchFamily="18" charset="0"/>
+                        <a:ea typeface="宋体" panose="02010600030101010101" pitchFamily="2" charset="-122"/>
+                      </a:endParaRPr>
+                    </a:p>
+                  </a:txBody>
+                  <a:tcPr marL="68580" marR="68580" marT="0" marB="0"/>
+                </a:tc>
+              </a:tr>
+              <a:tr h="370840">
+                <a:tc>
+                  <a:txBody>
+                    <a:bodyPr/>
+                    <a:lstStyle/>
+                    <a:p>
+                      <a:pPr algn="ctr">
+                        <a:spcAft>
+                          <a:spcPts val="0"/>
+                        </a:spcAft>
+                      </a:pPr>
+                      <a:r>
+                        <a:rPr lang="en-US" sz="2400" kern="100">
+                          <a:effectLst/>
+                          <a:latin typeface="Times New Roman" panose="02020603050405020304" pitchFamily="18" charset="0"/>
+                          <a:ea typeface="宋体" panose="02010600030101010101" pitchFamily="2" charset="-122"/>
+                        </a:rPr>
+                        <a:t>5</a:t>
+                      </a:r>
+                      <a:endParaRPr lang="zh-CN" sz="2400" kern="100">
+                        <a:effectLst/>
+                        <a:latin typeface="Times New Roman" panose="02020603050405020304" pitchFamily="18" charset="0"/>
+                        <a:ea typeface="宋体" panose="02010600030101010101" pitchFamily="2" charset="-122"/>
+                      </a:endParaRPr>
+                    </a:p>
+                  </a:txBody>
+                  <a:tcPr marL="68580" marR="68580" marT="0" marB="0"/>
+                </a:tc>
+                <a:tc>
+                  <a:txBody>
+                    <a:bodyPr/>
+                    <a:lstStyle/>
+                    <a:p>
+                      <a:pPr algn="just">
+                        <a:spcAft>
+                          <a:spcPts val="0"/>
+                        </a:spcAft>
+                      </a:pPr>
+                      <a:r>
+                        <a:rPr lang="en-US" sz="2400" kern="100" dirty="0">
+                          <a:effectLst/>
+                          <a:latin typeface="Times New Roman" panose="02020603050405020304" pitchFamily="18" charset="0"/>
+                          <a:ea typeface="宋体" panose="02010600030101010101" pitchFamily="2" charset="-122"/>
+                        </a:rPr>
+                        <a:t>C++</a:t>
+                      </a:r>
+                      <a:r>
+                        <a:rPr lang="zh-CN" sz="2400" kern="100" dirty="0">
+                          <a:effectLst/>
+                          <a:latin typeface="Times New Roman" panose="02020603050405020304" pitchFamily="18" charset="0"/>
+                          <a:ea typeface="宋体" panose="02010600030101010101" pitchFamily="2" charset="-122"/>
+                        </a:rPr>
+                        <a:t>程序构成与</a:t>
+                      </a:r>
+                      <a:r>
+                        <a:rPr lang="en-US" sz="2400" kern="100" dirty="0">
+                          <a:effectLst/>
+                          <a:latin typeface="Times New Roman" panose="02020603050405020304" pitchFamily="18" charset="0"/>
+                          <a:ea typeface="宋体" panose="02010600030101010101" pitchFamily="2" charset="-122"/>
+                        </a:rPr>
+                        <a:t>IDE</a:t>
+                      </a:r>
+                      <a:r>
+                        <a:rPr lang="zh-CN" sz="2400" kern="100" dirty="0">
+                          <a:effectLst/>
+                          <a:latin typeface="Times New Roman" panose="02020603050405020304" pitchFamily="18" charset="0"/>
+                          <a:ea typeface="宋体" panose="02010600030101010101" pitchFamily="2" charset="-122"/>
+                        </a:rPr>
+                        <a:t>环境</a:t>
+                      </a:r>
+                      <a:r>
+                        <a:rPr lang="zh-CN" sz="2400" kern="100" dirty="0" smtClean="0">
+                          <a:effectLst/>
+                          <a:latin typeface="Times New Roman" panose="02020603050405020304" pitchFamily="18" charset="0"/>
+                          <a:ea typeface="宋体" panose="02010600030101010101" pitchFamily="2" charset="-122"/>
+                        </a:rPr>
+                        <a:t>介绍</a:t>
+                      </a:r>
+                      <a:endParaRPr lang="zh-CN" sz="2400" kern="100" dirty="0">
+                        <a:effectLst/>
+                        <a:latin typeface="Times New Roman" panose="02020603050405020304" pitchFamily="18" charset="0"/>
+                        <a:ea typeface="宋体" panose="02010600030101010101" pitchFamily="2" charset="-122"/>
+                      </a:endParaRPr>
+                    </a:p>
+                  </a:txBody>
+                  <a:tcPr marL="68580" marR="68580" marT="0" marB="0"/>
+                </a:tc>
+              </a:tr>
+              <a:tr h="370840">
+                <a:tc>
+                  <a:txBody>
+                    <a:bodyPr/>
+                    <a:lstStyle/>
+                    <a:p>
+                      <a:pPr algn="ctr">
+                        <a:spcAft>
+                          <a:spcPts val="0"/>
+                        </a:spcAft>
+                      </a:pPr>
+                      <a:r>
+                        <a:rPr lang="en-US" sz="2400" kern="100">
+                          <a:effectLst/>
+                          <a:latin typeface="Times New Roman" panose="02020603050405020304" pitchFamily="18" charset="0"/>
+                          <a:ea typeface="宋体" panose="02010600030101010101" pitchFamily="2" charset="-122"/>
+                        </a:rPr>
+                        <a:t>6</a:t>
+                      </a:r>
+                      <a:endParaRPr lang="zh-CN" sz="2400" kern="100">
+                        <a:effectLst/>
+                        <a:latin typeface="Times New Roman" panose="02020603050405020304" pitchFamily="18" charset="0"/>
+                        <a:ea typeface="宋体" panose="02010600030101010101" pitchFamily="2" charset="-122"/>
+                      </a:endParaRPr>
+                    </a:p>
+                  </a:txBody>
+                  <a:tcPr marL="68580" marR="68580" marT="0" marB="0"/>
+                </a:tc>
+                <a:tc>
+                  <a:txBody>
+                    <a:bodyPr/>
+                    <a:lstStyle/>
+                    <a:p>
+                      <a:pPr algn="just">
+                        <a:spcAft>
+                          <a:spcPts val="0"/>
+                        </a:spcAft>
+                      </a:pPr>
+                      <a:r>
+                        <a:rPr lang="zh-CN" sz="2400" kern="100" dirty="0">
+                          <a:effectLst/>
+                          <a:latin typeface="Times New Roman" panose="02020603050405020304" pitchFamily="18" charset="0"/>
+                          <a:ea typeface="宋体" panose="02010600030101010101" pitchFamily="2" charset="-122"/>
+                        </a:rPr>
+                        <a:t>第四章 函数（函数的定义与使用</a:t>
+                      </a:r>
+                      <a:r>
+                        <a:rPr lang="zh-CN" sz="2400" kern="100" dirty="0" smtClean="0">
+                          <a:effectLst/>
+                          <a:latin typeface="Times New Roman" panose="02020603050405020304" pitchFamily="18" charset="0"/>
+                          <a:ea typeface="宋体" panose="02010600030101010101" pitchFamily="2" charset="-122"/>
+                        </a:rPr>
+                        <a:t>）</a:t>
+                      </a:r>
+                      <a:endParaRPr lang="zh-CN" sz="2400" kern="100" dirty="0">
+                        <a:effectLst/>
+                        <a:latin typeface="Times New Roman" panose="02020603050405020304" pitchFamily="18" charset="0"/>
+                        <a:ea typeface="宋体" panose="02010600030101010101" pitchFamily="2" charset="-122"/>
+                      </a:endParaRPr>
+                    </a:p>
+                  </a:txBody>
+                  <a:tcPr marL="68580" marR="68580" marT="0" marB="0"/>
+                </a:tc>
+              </a:tr>
+              <a:tr h="370840">
+                <a:tc>
+                  <a:txBody>
+                    <a:bodyPr/>
+                    <a:lstStyle/>
+                    <a:p>
+                      <a:pPr algn="ctr">
+                        <a:spcAft>
+                          <a:spcPts val="0"/>
+                        </a:spcAft>
+                      </a:pPr>
+                      <a:r>
+                        <a:rPr lang="en-US" sz="2400" kern="100">
+                          <a:effectLst/>
+                          <a:latin typeface="Times New Roman" panose="02020603050405020304" pitchFamily="18" charset="0"/>
+                          <a:ea typeface="宋体" panose="02010600030101010101" pitchFamily="2" charset="-122"/>
+                        </a:rPr>
+                        <a:t>7</a:t>
+                      </a:r>
+                      <a:endParaRPr lang="zh-CN" sz="2400" kern="100">
+                        <a:effectLst/>
+                        <a:latin typeface="Times New Roman" panose="02020603050405020304" pitchFamily="18" charset="0"/>
+                        <a:ea typeface="宋体" panose="02010600030101010101" pitchFamily="2" charset="-122"/>
+                      </a:endParaRPr>
+                    </a:p>
+                  </a:txBody>
+                  <a:tcPr marL="68580" marR="68580" marT="0" marB="0"/>
+                </a:tc>
+                <a:tc>
+                  <a:txBody>
+                    <a:bodyPr/>
+                    <a:lstStyle/>
+                    <a:p>
+                      <a:pPr algn="just">
+                        <a:spcAft>
+                          <a:spcPts val="0"/>
+                        </a:spcAft>
+                      </a:pPr>
+                      <a:r>
+                        <a:rPr lang="zh-CN" sz="2400" kern="100" dirty="0">
+                          <a:effectLst/>
+                          <a:latin typeface="Times New Roman" panose="02020603050405020304" pitchFamily="18" charset="0"/>
+                          <a:ea typeface="宋体" panose="02010600030101010101" pitchFamily="2" charset="-122"/>
+                        </a:rPr>
+                        <a:t>第四</a:t>
+                      </a:r>
+                      <a:r>
+                        <a:rPr lang="zh-CN" sz="2400" kern="100" dirty="0" smtClean="0">
+                          <a:effectLst/>
+                          <a:latin typeface="Times New Roman" panose="02020603050405020304" pitchFamily="18" charset="0"/>
+                          <a:ea typeface="宋体" panose="02010600030101010101" pitchFamily="2" charset="-122"/>
+                        </a:rPr>
+                        <a:t>章</a:t>
+                      </a:r>
+                      <a:r>
+                        <a:rPr lang="en-US" altLang="zh-CN" sz="2400" kern="100" dirty="0" smtClean="0">
+                          <a:effectLst/>
+                          <a:latin typeface="Times New Roman" panose="02020603050405020304" pitchFamily="18" charset="0"/>
+                          <a:ea typeface="宋体" panose="02010600030101010101" pitchFamily="2" charset="-122"/>
+                        </a:rPr>
+                        <a:t> </a:t>
+                      </a:r>
+                      <a:r>
+                        <a:rPr lang="zh-CN" sz="2400" kern="100" dirty="0" smtClean="0">
+                          <a:effectLst/>
+                          <a:latin typeface="Times New Roman" panose="02020603050405020304" pitchFamily="18" charset="0"/>
+                          <a:ea typeface="宋体" panose="02010600030101010101" pitchFamily="2" charset="-122"/>
+                        </a:rPr>
+                        <a:t>内</a:t>
+                      </a:r>
+                      <a:r>
+                        <a:rPr lang="zh-CN" sz="2400" kern="100" dirty="0">
+                          <a:effectLst/>
+                          <a:latin typeface="Times New Roman" panose="02020603050405020304" pitchFamily="18" charset="0"/>
+                          <a:ea typeface="宋体" panose="02010600030101010101" pitchFamily="2" charset="-122"/>
+                        </a:rPr>
+                        <a:t>联函数、函数重载、标准库</a:t>
+                      </a:r>
+                      <a:r>
+                        <a:rPr lang="zh-CN" sz="2400" kern="100" dirty="0" smtClean="0">
+                          <a:effectLst/>
+                          <a:latin typeface="Times New Roman" panose="02020603050405020304" pitchFamily="18" charset="0"/>
+                          <a:ea typeface="宋体" panose="02010600030101010101" pitchFamily="2" charset="-122"/>
+                        </a:rPr>
+                        <a:t>函数</a:t>
+                      </a:r>
+                      <a:r>
+                        <a:rPr lang="en-US" sz="2400" kern="100" dirty="0">
+                          <a:effectLst/>
+                          <a:latin typeface="Times New Roman" panose="02020603050405020304" pitchFamily="18" charset="0"/>
+                          <a:ea typeface="宋体" panose="02010600030101010101" pitchFamily="2" charset="-122"/>
+                        </a:rPr>
+                        <a:t> </a:t>
+                      </a:r>
+                      <a:endParaRPr lang="zh-CN" sz="2400" kern="100" dirty="0">
+                        <a:effectLst/>
+                        <a:latin typeface="Times New Roman" panose="02020603050405020304" pitchFamily="18" charset="0"/>
+                        <a:ea typeface="宋体" panose="02010600030101010101" pitchFamily="2" charset="-122"/>
+                      </a:endParaRPr>
+                    </a:p>
+                  </a:txBody>
+                  <a:tcPr marL="68580" marR="68580" marT="0" marB="0"/>
+                </a:tc>
+              </a:tr>
+              <a:tr h="370840">
+                <a:tc>
+                  <a:txBody>
+                    <a:bodyPr/>
+                    <a:lstStyle/>
+                    <a:p>
+                      <a:pPr algn="ctr">
+                        <a:spcAft>
+                          <a:spcPts val="0"/>
+                        </a:spcAft>
+                      </a:pPr>
+                      <a:r>
+                        <a:rPr lang="en-US" sz="2400" kern="100" dirty="0">
+                          <a:effectLst/>
+                          <a:latin typeface="Times New Roman" panose="02020603050405020304" pitchFamily="18" charset="0"/>
+                          <a:ea typeface="宋体" panose="02010600030101010101" pitchFamily="2" charset="-122"/>
+                        </a:rPr>
+                        <a:t>8</a:t>
+                      </a:r>
+                      <a:endParaRPr lang="zh-CN" sz="2400" kern="100" dirty="0">
+                        <a:effectLst/>
+                        <a:latin typeface="Times New Roman" panose="02020603050405020304" pitchFamily="18" charset="0"/>
+                        <a:ea typeface="宋体" panose="02010600030101010101" pitchFamily="2" charset="-122"/>
+                      </a:endParaRPr>
+                    </a:p>
+                  </a:txBody>
+                  <a:tcPr marL="68580" marR="68580" marT="0" marB="0"/>
+                </a:tc>
+                <a:tc>
+                  <a:txBody>
+                    <a:bodyPr/>
+                    <a:lstStyle/>
+                    <a:p>
+                      <a:pPr algn="just">
+                        <a:spcAft>
+                          <a:spcPts val="0"/>
+                        </a:spcAft>
+                      </a:pPr>
+                      <a:r>
+                        <a:rPr lang="zh-CN" sz="2400" kern="100" dirty="0">
+                          <a:effectLst/>
+                          <a:latin typeface="Times New Roman" panose="02020603050405020304" pitchFamily="18" charset="0"/>
+                          <a:ea typeface="宋体" panose="02010600030101010101" pitchFamily="2" charset="-122"/>
+                        </a:rPr>
+                        <a:t>第五章 类与对象基本</a:t>
+                      </a:r>
+                      <a:r>
+                        <a:rPr lang="zh-CN" sz="2400" kern="100" dirty="0" smtClean="0">
+                          <a:effectLst/>
+                          <a:latin typeface="Times New Roman" panose="02020603050405020304" pitchFamily="18" charset="0"/>
+                          <a:ea typeface="宋体" panose="02010600030101010101" pitchFamily="2" charset="-122"/>
+                        </a:rPr>
+                        <a:t>概念</a:t>
+                      </a:r>
+                      <a:endParaRPr lang="zh-CN" sz="2400" kern="100" dirty="0">
+                        <a:effectLst/>
+                        <a:latin typeface="Times New Roman" panose="02020603050405020304" pitchFamily="18" charset="0"/>
+                        <a:ea typeface="宋体" panose="02010600030101010101" pitchFamily="2" charset="-122"/>
+                      </a:endParaRPr>
+                    </a:p>
+                  </a:txBody>
+                  <a:tcPr marL="68580" marR="68580" marT="0" marB="0"/>
+                </a:tc>
+              </a:tr>
+              <a:tr h="370840">
+                <a:tc>
+                  <a:txBody>
+                    <a:bodyPr/>
+                    <a:lstStyle/>
+                    <a:p>
+                      <a:pPr marL="0" algn="ctr" defTabSz="914400" rtl="0" eaLnBrk="1" latinLnBrk="0" hangingPunct="1">
+                        <a:spcAft>
+                          <a:spcPts val="0"/>
+                        </a:spcAft>
+                      </a:pPr>
+                      <a:r>
+                        <a:rPr lang="en-US" sz="2400" kern="100" dirty="0">
+                          <a:solidFill>
+                            <a:schemeClr val="dk1"/>
+                          </a:solidFill>
+                          <a:effectLst/>
+                          <a:latin typeface="Times New Roman" panose="02020603050405020304" pitchFamily="18" charset="0"/>
+                          <a:ea typeface="宋体" panose="02010600030101010101" pitchFamily="2" charset="-122"/>
+                          <a:cs typeface="+mn-cs"/>
+                        </a:rPr>
+                        <a:t>9</a:t>
+                      </a:r>
+                      <a:endParaRPr lang="zh-CN" sz="2400" kern="100" dirty="0">
+                        <a:solidFill>
+                          <a:schemeClr val="dk1"/>
+                        </a:solidFill>
+                        <a:effectLst/>
+                        <a:latin typeface="Times New Roman" panose="02020603050405020304" pitchFamily="18" charset="0"/>
+                        <a:ea typeface="宋体" panose="02010600030101010101" pitchFamily="2" charset="-122"/>
+                        <a:cs typeface="+mn-cs"/>
+                      </a:endParaRPr>
+                    </a:p>
+                  </a:txBody>
+                  <a:tcPr marL="68580" marR="68580" marT="0" marB="0"/>
+                </a:tc>
+                <a:tc>
+                  <a:txBody>
+                    <a:bodyPr/>
+                    <a:lstStyle/>
+                    <a:p>
+                      <a:pPr marL="0" algn="just" defTabSz="914400" rtl="0" eaLnBrk="1" latinLnBrk="0" hangingPunct="1">
+                        <a:spcAft>
+                          <a:spcPts val="0"/>
+                        </a:spcAft>
+                      </a:pPr>
+                      <a:r>
+                        <a:rPr lang="zh-CN" sz="2400" kern="100" dirty="0">
+                          <a:solidFill>
+                            <a:schemeClr val="dk1"/>
+                          </a:solidFill>
+                          <a:effectLst/>
+                          <a:latin typeface="Times New Roman" panose="02020603050405020304" pitchFamily="18" charset="0"/>
+                          <a:ea typeface="宋体" panose="02010600030101010101" pitchFamily="2" charset="-122"/>
+                          <a:cs typeface="+mn-cs"/>
+                        </a:rPr>
+                        <a:t>第五</a:t>
+                      </a:r>
+                      <a:r>
+                        <a:rPr lang="zh-CN" sz="2400" kern="100" dirty="0" smtClean="0">
+                          <a:solidFill>
+                            <a:schemeClr val="dk1"/>
+                          </a:solidFill>
+                          <a:effectLst/>
+                          <a:latin typeface="Times New Roman" panose="02020603050405020304" pitchFamily="18" charset="0"/>
+                          <a:ea typeface="宋体" panose="02010600030101010101" pitchFamily="2" charset="-122"/>
+                          <a:cs typeface="+mn-cs"/>
+                        </a:rPr>
+                        <a:t>章</a:t>
+                      </a:r>
+                      <a:r>
+                        <a:rPr lang="en-US" altLang="zh-CN" sz="2400" kern="100" baseline="0" dirty="0" smtClean="0">
+                          <a:solidFill>
+                            <a:schemeClr val="dk1"/>
+                          </a:solidFill>
+                          <a:effectLst/>
+                          <a:latin typeface="Times New Roman" panose="02020603050405020304" pitchFamily="18" charset="0"/>
+                          <a:ea typeface="宋体" panose="02010600030101010101" pitchFamily="2" charset="-122"/>
+                          <a:cs typeface="+mn-cs"/>
+                        </a:rPr>
+                        <a:t> </a:t>
+                      </a:r>
+                      <a:r>
+                        <a:rPr lang="zh-CN" sz="2400" kern="100" dirty="0" smtClean="0">
+                          <a:solidFill>
+                            <a:schemeClr val="dk1"/>
+                          </a:solidFill>
+                          <a:effectLst/>
+                          <a:latin typeface="Times New Roman" panose="02020603050405020304" pitchFamily="18" charset="0"/>
+                          <a:ea typeface="宋体" panose="02010600030101010101" pitchFamily="2" charset="-122"/>
+                          <a:cs typeface="+mn-cs"/>
+                        </a:rPr>
+                        <a:t>构造</a:t>
+                      </a:r>
+                      <a:r>
+                        <a:rPr lang="zh-CN" sz="2400" kern="100" dirty="0">
+                          <a:solidFill>
+                            <a:schemeClr val="dk1"/>
+                          </a:solidFill>
+                          <a:effectLst/>
+                          <a:latin typeface="Times New Roman" panose="02020603050405020304" pitchFamily="18" charset="0"/>
+                          <a:ea typeface="宋体" panose="02010600030101010101" pitchFamily="2" charset="-122"/>
+                          <a:cs typeface="+mn-cs"/>
+                        </a:rPr>
+                        <a:t>和析构函数、</a:t>
+                      </a:r>
+                      <a:r>
+                        <a:rPr lang="zh-CN" sz="2400" kern="100" dirty="0" smtClean="0">
+                          <a:solidFill>
+                            <a:schemeClr val="dk1"/>
+                          </a:solidFill>
+                          <a:effectLst/>
+                          <a:latin typeface="Times New Roman" panose="02020603050405020304" pitchFamily="18" charset="0"/>
+                          <a:ea typeface="宋体" panose="02010600030101010101" pitchFamily="2" charset="-122"/>
+                          <a:cs typeface="+mn-cs"/>
+                        </a:rPr>
+                        <a:t>引用</a:t>
+                      </a:r>
+                      <a:endParaRPr lang="zh-CN" sz="2400" kern="100" dirty="0">
+                        <a:solidFill>
+                          <a:schemeClr val="dk1"/>
+                        </a:solidFill>
+                        <a:effectLst/>
+                        <a:latin typeface="Times New Roman" panose="02020603050405020304" pitchFamily="18" charset="0"/>
+                        <a:ea typeface="宋体" panose="02010600030101010101" pitchFamily="2" charset="-122"/>
+                        <a:cs typeface="+mn-cs"/>
+                      </a:endParaRPr>
+                    </a:p>
+                  </a:txBody>
+                  <a:tcPr marL="68580" marR="68580" marT="0" marB="0"/>
+                </a:tc>
+              </a:tr>
+              <a:tr h="370840">
+                <a:tc>
+                  <a:txBody>
+                    <a:bodyPr/>
+                    <a:lstStyle/>
+                    <a:p>
+                      <a:pPr marL="0" algn="ctr" defTabSz="914400" rtl="0" eaLnBrk="1" latinLnBrk="0" hangingPunct="1">
+                        <a:spcAft>
+                          <a:spcPts val="0"/>
+                        </a:spcAft>
+                      </a:pPr>
+                      <a:r>
+                        <a:rPr lang="en-US" sz="2400" kern="100" dirty="0">
+                          <a:solidFill>
+                            <a:schemeClr val="dk1"/>
+                          </a:solidFill>
+                          <a:effectLst/>
+                          <a:latin typeface="Times New Roman" panose="02020603050405020304" pitchFamily="18" charset="0"/>
+                          <a:ea typeface="宋体" panose="02010600030101010101" pitchFamily="2" charset="-122"/>
+                          <a:cs typeface="+mn-cs"/>
+                        </a:rPr>
+                        <a:t>10</a:t>
+                      </a:r>
+                      <a:endParaRPr lang="zh-CN" sz="2400" kern="100" dirty="0">
+                        <a:solidFill>
+                          <a:schemeClr val="dk1"/>
+                        </a:solidFill>
+                        <a:effectLst/>
+                        <a:latin typeface="Times New Roman" panose="02020603050405020304" pitchFamily="18" charset="0"/>
+                        <a:ea typeface="宋体" panose="02010600030101010101" pitchFamily="2" charset="-122"/>
+                        <a:cs typeface="+mn-cs"/>
+                      </a:endParaRPr>
+                    </a:p>
+                  </a:txBody>
+                  <a:tcPr marL="68580" marR="68580" marT="0" marB="0"/>
+                </a:tc>
+                <a:tc>
+                  <a:txBody>
+                    <a:bodyPr/>
+                    <a:lstStyle/>
+                    <a:p>
+                      <a:pPr marL="0" algn="just" defTabSz="914400" rtl="0" eaLnBrk="1" latinLnBrk="0" hangingPunct="1">
+                        <a:spcAft>
+                          <a:spcPts val="0"/>
+                        </a:spcAft>
+                      </a:pPr>
+                      <a:r>
+                        <a:rPr lang="zh-CN" sz="2400" kern="100" dirty="0">
+                          <a:solidFill>
+                            <a:schemeClr val="dk1"/>
+                          </a:solidFill>
+                          <a:effectLst/>
+                          <a:latin typeface="Times New Roman" panose="02020603050405020304" pitchFamily="18" charset="0"/>
+                          <a:ea typeface="宋体" panose="02010600030101010101" pitchFamily="2" charset="-122"/>
+                          <a:cs typeface="+mn-cs"/>
+                        </a:rPr>
+                        <a:t>第一</a:t>
+                      </a:r>
+                      <a:r>
+                        <a:rPr lang="en-US" sz="2400" kern="100" dirty="0">
+                          <a:solidFill>
+                            <a:schemeClr val="dk1"/>
+                          </a:solidFill>
+                          <a:effectLst/>
+                          <a:latin typeface="Times New Roman" panose="02020603050405020304" pitchFamily="18" charset="0"/>
+                          <a:ea typeface="宋体" panose="02010600030101010101" pitchFamily="2" charset="-122"/>
+                          <a:cs typeface="+mn-cs"/>
+                        </a:rPr>
+                        <a:t>~ </a:t>
+                      </a:r>
+                      <a:r>
+                        <a:rPr lang="zh-CN" sz="2400" kern="100" dirty="0">
+                          <a:solidFill>
+                            <a:schemeClr val="dk1"/>
+                          </a:solidFill>
+                          <a:effectLst/>
+                          <a:latin typeface="Times New Roman" panose="02020603050405020304" pitchFamily="18" charset="0"/>
+                          <a:ea typeface="宋体" panose="02010600030101010101" pitchFamily="2" charset="-122"/>
+                          <a:cs typeface="+mn-cs"/>
+                        </a:rPr>
+                        <a:t>五章 习题课</a:t>
+                      </a:r>
+                    </a:p>
+                  </a:txBody>
+                  <a:tcPr marL="68580" marR="68580" marT="0" marB="0"/>
+                </a:tc>
+              </a:tr>
+            </a:tbl>
+          </a:graphicData>
+        </a:graphic>
+      </p:graphicFrame>
     </p:spTree>
     <p:extLst>
       <p:ext uri="{BB962C8B-B14F-4D97-AF65-F5344CB8AC3E}">
-        <p14:creationId xmlns:p14="http://schemas.microsoft.com/office/powerpoint/2010/main" val="1706974690"/>
+        <p14:creationId xmlns:p14="http://schemas.microsoft.com/office/powerpoint/2010/main" val="2358820556"/>
       </p:ext>
     </p:extLst>
   </p:cSld>
@@ -14752,35 +15852,687 @@
           <a:p>
             <a:r>
               <a:rPr lang="zh-CN" altLang="en-US" dirty="0" smtClean="0"/>
-              <a:t>教学安排</a:t>
-            </a:r>
-            <a:endParaRPr lang="zh-CN" altLang="en-US" dirty="0"/>
+              <a:t>教学</a:t>
+            </a:r>
+            <a:r>
+              <a:rPr lang="zh-CN" altLang="en-US" dirty="0"/>
+              <a:t>安排（续）</a:t>
+            </a:r>
           </a:p>
         </p:txBody>
       </p:sp>
-      <p:sp>
-        <p:nvSpPr>
-          <p:cNvPr id="3" name="内容占位符 2"/>
-          <p:cNvSpPr>
-            <a:spLocks noGrp="1"/>
-          </p:cNvSpPr>
+      <p:graphicFrame>
+        <p:nvGraphicFramePr>
+          <p:cNvPr id="6" name="内容占位符 5"/>
+          <p:cNvGraphicFramePr>
+            <a:graphicFrameLocks noGrp="1"/>
+          </p:cNvGraphicFramePr>
           <p:nvPr>
             <p:ph idx="1"/>
+            <p:extLst>
+              <p:ext uri="{D42A27DB-BD31-4B8C-83A1-F6EECF244321}">
+                <p14:modId xmlns:p14="http://schemas.microsoft.com/office/powerpoint/2010/main" val="4067953780"/>
+              </p:ext>
+            </p:extLst>
           </p:nvPr>
-        </p:nvSpPr>
-        <p:spPr/>
-        <p:txBody>
-          <a:bodyPr/>
-          <a:lstStyle/>
-          <a:p>
-            <a:endParaRPr lang="zh-CN" altLang="en-US"/>
-          </a:p>
-        </p:txBody>
-      </p:sp>
+        </p:nvGraphicFramePr>
+        <p:xfrm>
+          <a:off x="457200" y="908871"/>
+          <a:ext cx="8229600" cy="3053080"/>
+        </p:xfrm>
+        <a:graphic>
+          <a:graphicData uri="http://schemas.openxmlformats.org/drawingml/2006/table">
+            <a:tbl>
+              <a:tblPr firstRow="1" bandRow="1">
+                <a:tableStyleId>{073A0DAA-6AF3-43AB-8588-CEC1D06C72B9}</a:tableStyleId>
+              </a:tblPr>
+              <a:tblGrid>
+                <a:gridCol w="1623848"/>
+                <a:gridCol w="6605752"/>
+              </a:tblGrid>
+              <a:tr h="370840">
+                <a:tc>
+                  <a:txBody>
+                    <a:bodyPr/>
+                    <a:lstStyle/>
+                    <a:p>
+                      <a:pPr algn="ctr"/>
+                      <a:r>
+                        <a:rPr lang="zh-CN" altLang="en-US" sz="2400" dirty="0" smtClean="0"/>
+                        <a:t>序号</a:t>
+                      </a:r>
+                      <a:endParaRPr lang="zh-CN" altLang="en-US" sz="2400" dirty="0"/>
+                    </a:p>
+                  </a:txBody>
+                  <a:tcPr/>
+                </a:tc>
+                <a:tc>
+                  <a:txBody>
+                    <a:bodyPr/>
+                    <a:lstStyle/>
+                    <a:p>
+                      <a:pPr algn="ctr"/>
+                      <a:r>
+                        <a:rPr lang="zh-CN" altLang="en-US" sz="2400" dirty="0" smtClean="0"/>
+                        <a:t>内容</a:t>
+                      </a:r>
+                      <a:endParaRPr lang="zh-CN" altLang="en-US" sz="2400" dirty="0"/>
+                    </a:p>
+                  </a:txBody>
+                  <a:tcPr/>
+                </a:tc>
+              </a:tr>
+              <a:tr h="370840">
+                <a:tc>
+                  <a:txBody>
+                    <a:bodyPr/>
+                    <a:lstStyle/>
+                    <a:p>
+                      <a:pPr marL="0" algn="ctr" defTabSz="914400" rtl="0" eaLnBrk="1" latinLnBrk="0" hangingPunct="1">
+                        <a:spcAft>
+                          <a:spcPts val="0"/>
+                        </a:spcAft>
+                      </a:pPr>
+                      <a:r>
+                        <a:rPr lang="en-US" sz="2400" kern="100" dirty="0">
+                          <a:solidFill>
+                            <a:schemeClr val="dk1"/>
+                          </a:solidFill>
+                          <a:effectLst/>
+                          <a:latin typeface="Times New Roman" panose="02020603050405020304" pitchFamily="18" charset="0"/>
+                          <a:ea typeface="宋体" panose="02010600030101010101" pitchFamily="2" charset="-122"/>
+                          <a:cs typeface="+mn-cs"/>
+                        </a:rPr>
+                        <a:t>11</a:t>
+                      </a:r>
+                      <a:endParaRPr lang="zh-CN" sz="2400" kern="100" dirty="0">
+                        <a:solidFill>
+                          <a:schemeClr val="dk1"/>
+                        </a:solidFill>
+                        <a:effectLst/>
+                        <a:latin typeface="Times New Roman" panose="02020603050405020304" pitchFamily="18" charset="0"/>
+                        <a:ea typeface="宋体" panose="02010600030101010101" pitchFamily="2" charset="-122"/>
+                        <a:cs typeface="+mn-cs"/>
+                      </a:endParaRPr>
+                    </a:p>
+                  </a:txBody>
+                  <a:tcPr marL="68580" marR="68580" marT="0" marB="0"/>
+                </a:tc>
+                <a:tc>
+                  <a:txBody>
+                    <a:bodyPr/>
+                    <a:lstStyle/>
+                    <a:p>
+                      <a:pPr marL="0" algn="just" defTabSz="914400" rtl="0" eaLnBrk="1" latinLnBrk="0" hangingPunct="1">
+                        <a:spcAft>
+                          <a:spcPts val="0"/>
+                        </a:spcAft>
+                      </a:pPr>
+                      <a:r>
+                        <a:rPr lang="zh-CN" sz="2400" kern="100" dirty="0">
+                          <a:solidFill>
+                            <a:schemeClr val="dk1"/>
+                          </a:solidFill>
+                          <a:effectLst/>
+                          <a:latin typeface="Times New Roman" panose="02020603050405020304" pitchFamily="18" charset="0"/>
+                          <a:ea typeface="宋体" panose="02010600030101010101" pitchFamily="2" charset="-122"/>
+                          <a:cs typeface="+mn-cs"/>
+                        </a:rPr>
+                        <a:t>第六章</a:t>
+                      </a:r>
+                      <a:r>
+                        <a:rPr lang="en-US" sz="2400" kern="100" dirty="0">
+                          <a:solidFill>
+                            <a:schemeClr val="dk1"/>
+                          </a:solidFill>
+                          <a:effectLst/>
+                          <a:latin typeface="Times New Roman" panose="02020603050405020304" pitchFamily="18" charset="0"/>
+                          <a:ea typeface="宋体" panose="02010600030101010101" pitchFamily="2" charset="-122"/>
+                          <a:cs typeface="+mn-cs"/>
+                        </a:rPr>
+                        <a:t> </a:t>
+                      </a:r>
+                      <a:r>
+                        <a:rPr lang="zh-CN" sz="2400" kern="100" dirty="0" smtClean="0">
+                          <a:solidFill>
+                            <a:schemeClr val="dk1"/>
+                          </a:solidFill>
+                          <a:effectLst/>
+                          <a:latin typeface="Times New Roman" panose="02020603050405020304" pitchFamily="18" charset="0"/>
+                          <a:ea typeface="宋体" panose="02010600030101010101" pitchFamily="2" charset="-122"/>
+                          <a:cs typeface="+mn-cs"/>
+                        </a:rPr>
+                        <a:t>作用域</a:t>
+                      </a:r>
+                      <a:r>
+                        <a:rPr lang="zh-CN" sz="2400" kern="100" dirty="0">
+                          <a:solidFill>
+                            <a:schemeClr val="dk1"/>
+                          </a:solidFill>
+                          <a:effectLst/>
+                          <a:latin typeface="Times New Roman" panose="02020603050405020304" pitchFamily="18" charset="0"/>
+                          <a:ea typeface="宋体" panose="02010600030101010101" pitchFamily="2" charset="-122"/>
+                          <a:cs typeface="+mn-cs"/>
+                        </a:rPr>
+                        <a:t>、</a:t>
+                      </a:r>
+                      <a:r>
+                        <a:rPr lang="zh-CN" sz="2400" kern="100" dirty="0" smtClean="0">
+                          <a:solidFill>
+                            <a:schemeClr val="dk1"/>
+                          </a:solidFill>
+                          <a:effectLst/>
+                          <a:latin typeface="Times New Roman" panose="02020603050405020304" pitchFamily="18" charset="0"/>
+                          <a:ea typeface="宋体" panose="02010600030101010101" pitchFamily="2" charset="-122"/>
+                          <a:cs typeface="+mn-cs"/>
+                        </a:rPr>
+                        <a:t>生存期</a:t>
+                      </a:r>
+                      <a:endParaRPr lang="zh-CN" sz="2400" kern="100" dirty="0">
+                        <a:solidFill>
+                          <a:schemeClr val="dk1"/>
+                        </a:solidFill>
+                        <a:effectLst/>
+                        <a:latin typeface="Times New Roman" panose="02020603050405020304" pitchFamily="18" charset="0"/>
+                        <a:ea typeface="宋体" panose="02010600030101010101" pitchFamily="2" charset="-122"/>
+                        <a:cs typeface="+mn-cs"/>
+                      </a:endParaRPr>
+                    </a:p>
+                  </a:txBody>
+                  <a:tcPr marL="68580" marR="68580" marT="0" marB="0"/>
+                </a:tc>
+              </a:tr>
+              <a:tr h="370840">
+                <a:tc>
+                  <a:txBody>
+                    <a:bodyPr/>
+                    <a:lstStyle/>
+                    <a:p>
+                      <a:pPr marL="0" algn="ctr" defTabSz="914400" rtl="0" eaLnBrk="1" latinLnBrk="0" hangingPunct="1">
+                        <a:spcAft>
+                          <a:spcPts val="0"/>
+                        </a:spcAft>
+                      </a:pPr>
+                      <a:r>
+                        <a:rPr lang="en-US" sz="2400" kern="100" dirty="0">
+                          <a:solidFill>
+                            <a:schemeClr val="dk1"/>
+                          </a:solidFill>
+                          <a:effectLst/>
+                          <a:latin typeface="Times New Roman" panose="02020603050405020304" pitchFamily="18" charset="0"/>
+                          <a:ea typeface="宋体" panose="02010600030101010101" pitchFamily="2" charset="-122"/>
+                          <a:cs typeface="+mn-cs"/>
+                        </a:rPr>
+                        <a:t>12</a:t>
+                      </a:r>
+                      <a:endParaRPr lang="zh-CN" sz="2400" kern="100" dirty="0">
+                        <a:solidFill>
+                          <a:schemeClr val="dk1"/>
+                        </a:solidFill>
+                        <a:effectLst/>
+                        <a:latin typeface="Times New Roman" panose="02020603050405020304" pitchFamily="18" charset="0"/>
+                        <a:ea typeface="宋体" panose="02010600030101010101" pitchFamily="2" charset="-122"/>
+                        <a:cs typeface="+mn-cs"/>
+                      </a:endParaRPr>
+                    </a:p>
+                  </a:txBody>
+                  <a:tcPr marL="68580" marR="68580" marT="0" marB="0"/>
+                </a:tc>
+                <a:tc>
+                  <a:txBody>
+                    <a:bodyPr/>
+                    <a:lstStyle/>
+                    <a:p>
+                      <a:pPr marL="0" algn="l" defTabSz="914400" rtl="0" eaLnBrk="1" latinLnBrk="0" hangingPunct="1">
+                        <a:spcAft>
+                          <a:spcPts val="0"/>
+                        </a:spcAft>
+                      </a:pPr>
+                      <a:r>
+                        <a:rPr lang="zh-CN" sz="2400" kern="100" dirty="0">
+                          <a:solidFill>
+                            <a:schemeClr val="dk1"/>
+                          </a:solidFill>
+                          <a:effectLst/>
+                          <a:latin typeface="Times New Roman" panose="02020603050405020304" pitchFamily="18" charset="0"/>
+                          <a:ea typeface="宋体" panose="02010600030101010101" pitchFamily="2" charset="-122"/>
+                          <a:cs typeface="+mn-cs"/>
+                        </a:rPr>
+                        <a:t>第六章</a:t>
+                      </a:r>
+                      <a:r>
+                        <a:rPr lang="en-US" sz="2400" kern="100" dirty="0">
+                          <a:solidFill>
+                            <a:schemeClr val="dk1"/>
+                          </a:solidFill>
+                          <a:effectLst/>
+                          <a:latin typeface="Times New Roman" panose="02020603050405020304" pitchFamily="18" charset="0"/>
+                          <a:ea typeface="宋体" panose="02010600030101010101" pitchFamily="2" charset="-122"/>
+                          <a:cs typeface="+mn-cs"/>
+                        </a:rPr>
+                        <a:t> </a:t>
+                      </a:r>
+                      <a:r>
+                        <a:rPr lang="zh-CN" sz="2400" kern="100" dirty="0" smtClean="0">
+                          <a:solidFill>
+                            <a:schemeClr val="dk1"/>
+                          </a:solidFill>
+                          <a:effectLst/>
+                          <a:latin typeface="Times New Roman" panose="02020603050405020304" pitchFamily="18" charset="0"/>
+                          <a:ea typeface="宋体" panose="02010600030101010101" pitchFamily="2" charset="-122"/>
+                          <a:cs typeface="+mn-cs"/>
+                        </a:rPr>
+                        <a:t>多</a:t>
+                      </a:r>
+                      <a:r>
+                        <a:rPr lang="zh-CN" sz="2400" kern="100" dirty="0">
+                          <a:solidFill>
+                            <a:schemeClr val="dk1"/>
+                          </a:solidFill>
+                          <a:effectLst/>
+                          <a:latin typeface="Times New Roman" panose="02020603050405020304" pitchFamily="18" charset="0"/>
+                          <a:ea typeface="宋体" panose="02010600030101010101" pitchFamily="2" charset="-122"/>
+                          <a:cs typeface="+mn-cs"/>
+                        </a:rPr>
+                        <a:t>文件结构</a:t>
+                      </a:r>
+                      <a:r>
+                        <a:rPr lang="en-US" sz="2400" kern="100" dirty="0">
+                          <a:solidFill>
+                            <a:schemeClr val="dk1"/>
+                          </a:solidFill>
+                          <a:effectLst/>
+                          <a:latin typeface="Times New Roman" panose="02020603050405020304" pitchFamily="18" charset="0"/>
+                          <a:ea typeface="宋体" panose="02010600030101010101" pitchFamily="2" charset="-122"/>
+                          <a:cs typeface="+mn-cs"/>
+                        </a:rPr>
+                        <a:t>+</a:t>
+                      </a:r>
+                      <a:r>
+                        <a:rPr lang="zh-CN" sz="2400" kern="100" dirty="0">
+                          <a:solidFill>
+                            <a:schemeClr val="dk1"/>
+                          </a:solidFill>
+                          <a:effectLst/>
+                          <a:latin typeface="Times New Roman" panose="02020603050405020304" pitchFamily="18" charset="0"/>
+                          <a:ea typeface="宋体" panose="02010600030101010101" pitchFamily="2" charset="-122"/>
+                          <a:cs typeface="+mn-cs"/>
+                        </a:rPr>
+                        <a:t>课堂</a:t>
+                      </a:r>
+                      <a:r>
+                        <a:rPr lang="zh-CN" sz="2400" kern="100" dirty="0" smtClean="0">
+                          <a:solidFill>
+                            <a:schemeClr val="dk1"/>
+                          </a:solidFill>
+                          <a:effectLst/>
+                          <a:latin typeface="Times New Roman" panose="02020603050405020304" pitchFamily="18" charset="0"/>
+                          <a:ea typeface="宋体" panose="02010600030101010101" pitchFamily="2" charset="-122"/>
+                          <a:cs typeface="+mn-cs"/>
+                        </a:rPr>
+                        <a:t>练习</a:t>
+                      </a:r>
+                      <a:endParaRPr lang="zh-CN" sz="2400" kern="100" dirty="0">
+                        <a:solidFill>
+                          <a:schemeClr val="dk1"/>
+                        </a:solidFill>
+                        <a:effectLst/>
+                        <a:latin typeface="Times New Roman" panose="02020603050405020304" pitchFamily="18" charset="0"/>
+                        <a:ea typeface="宋体" panose="02010600030101010101" pitchFamily="2" charset="-122"/>
+                        <a:cs typeface="+mn-cs"/>
+                      </a:endParaRPr>
+                    </a:p>
+                  </a:txBody>
+                  <a:tcPr marL="68580" marR="68580" marT="0" marB="0"/>
+                </a:tc>
+              </a:tr>
+              <a:tr h="370840">
+                <a:tc>
+                  <a:txBody>
+                    <a:bodyPr/>
+                    <a:lstStyle/>
+                    <a:p>
+                      <a:pPr marL="0" algn="ctr" defTabSz="914400" rtl="0" eaLnBrk="1" latinLnBrk="0" hangingPunct="1">
+                        <a:spcAft>
+                          <a:spcPts val="0"/>
+                        </a:spcAft>
+                      </a:pPr>
+                      <a:r>
+                        <a:rPr lang="en-US" sz="2400" kern="100" dirty="0">
+                          <a:solidFill>
+                            <a:schemeClr val="dk1"/>
+                          </a:solidFill>
+                          <a:effectLst/>
+                          <a:latin typeface="Times New Roman" panose="02020603050405020304" pitchFamily="18" charset="0"/>
+                          <a:ea typeface="宋体" panose="02010600030101010101" pitchFamily="2" charset="-122"/>
+                          <a:cs typeface="+mn-cs"/>
+                        </a:rPr>
+                        <a:t>13</a:t>
+                      </a:r>
+                      <a:endParaRPr lang="zh-CN" sz="2400" kern="100" dirty="0">
+                        <a:solidFill>
+                          <a:schemeClr val="dk1"/>
+                        </a:solidFill>
+                        <a:effectLst/>
+                        <a:latin typeface="Times New Roman" panose="02020603050405020304" pitchFamily="18" charset="0"/>
+                        <a:ea typeface="宋体" panose="02010600030101010101" pitchFamily="2" charset="-122"/>
+                        <a:cs typeface="+mn-cs"/>
+                      </a:endParaRPr>
+                    </a:p>
+                  </a:txBody>
+                  <a:tcPr marL="68580" marR="68580" marT="0" marB="0"/>
+                </a:tc>
+                <a:tc>
+                  <a:txBody>
+                    <a:bodyPr/>
+                    <a:lstStyle/>
+                    <a:p>
+                      <a:pPr marL="0" algn="just" defTabSz="914400" rtl="0" eaLnBrk="1" latinLnBrk="0" hangingPunct="1">
+                        <a:spcAft>
+                          <a:spcPts val="0"/>
+                        </a:spcAft>
+                      </a:pPr>
+                      <a:r>
+                        <a:rPr lang="zh-CN" sz="2400" kern="100" dirty="0">
+                          <a:solidFill>
+                            <a:schemeClr val="dk1"/>
+                          </a:solidFill>
+                          <a:effectLst/>
+                          <a:latin typeface="Times New Roman" panose="02020603050405020304" pitchFamily="18" charset="0"/>
+                          <a:ea typeface="宋体" panose="02010600030101010101" pitchFamily="2" charset="-122"/>
+                          <a:cs typeface="+mn-cs"/>
+                        </a:rPr>
+                        <a:t>第七章 数组</a:t>
+                      </a:r>
+                    </a:p>
+                  </a:txBody>
+                  <a:tcPr marL="68580" marR="68580" marT="0" marB="0"/>
+                </a:tc>
+              </a:tr>
+              <a:tr h="370840">
+                <a:tc>
+                  <a:txBody>
+                    <a:bodyPr/>
+                    <a:lstStyle/>
+                    <a:p>
+                      <a:pPr marL="0" algn="ctr" defTabSz="914400" rtl="0" eaLnBrk="1" latinLnBrk="0" hangingPunct="1">
+                        <a:spcAft>
+                          <a:spcPts val="0"/>
+                        </a:spcAft>
+                      </a:pPr>
+                      <a:r>
+                        <a:rPr lang="en-US" sz="2400" kern="100" dirty="0">
+                          <a:solidFill>
+                            <a:schemeClr val="dk1"/>
+                          </a:solidFill>
+                          <a:effectLst/>
+                          <a:latin typeface="Times New Roman" panose="02020603050405020304" pitchFamily="18" charset="0"/>
+                          <a:ea typeface="宋体" panose="02010600030101010101" pitchFamily="2" charset="-122"/>
+                          <a:cs typeface="+mn-cs"/>
+                        </a:rPr>
+                        <a:t>14</a:t>
+                      </a:r>
+                      <a:endParaRPr lang="zh-CN" sz="2400" kern="100" dirty="0">
+                        <a:solidFill>
+                          <a:schemeClr val="dk1"/>
+                        </a:solidFill>
+                        <a:effectLst/>
+                        <a:latin typeface="Times New Roman" panose="02020603050405020304" pitchFamily="18" charset="0"/>
+                        <a:ea typeface="宋体" panose="02010600030101010101" pitchFamily="2" charset="-122"/>
+                        <a:cs typeface="+mn-cs"/>
+                      </a:endParaRPr>
+                    </a:p>
+                  </a:txBody>
+                  <a:tcPr marL="68580" marR="68580" marT="0" marB="0"/>
+                </a:tc>
+                <a:tc>
+                  <a:txBody>
+                    <a:bodyPr/>
+                    <a:lstStyle/>
+                    <a:p>
+                      <a:pPr marL="0" algn="just" defTabSz="914400" rtl="0" eaLnBrk="1" latinLnBrk="0" hangingPunct="1">
+                        <a:spcAft>
+                          <a:spcPts val="0"/>
+                        </a:spcAft>
+                      </a:pPr>
+                      <a:r>
+                        <a:rPr lang="zh-CN" sz="2400" kern="100" dirty="0">
+                          <a:solidFill>
+                            <a:schemeClr val="dk1"/>
+                          </a:solidFill>
+                          <a:effectLst/>
+                          <a:latin typeface="Times New Roman" panose="02020603050405020304" pitchFamily="18" charset="0"/>
+                          <a:ea typeface="宋体" panose="02010600030101010101" pitchFamily="2" charset="-122"/>
+                          <a:cs typeface="+mn-cs"/>
+                        </a:rPr>
+                        <a:t>第七章 指针</a:t>
+                      </a:r>
+                    </a:p>
+                  </a:txBody>
+                  <a:tcPr marL="68580" marR="68580" marT="0" marB="0"/>
+                </a:tc>
+              </a:tr>
+              <a:tr h="370840">
+                <a:tc>
+                  <a:txBody>
+                    <a:bodyPr/>
+                    <a:lstStyle/>
+                    <a:p>
+                      <a:pPr marL="0" algn="ctr" defTabSz="914400" rtl="0" eaLnBrk="1" latinLnBrk="0" hangingPunct="1">
+                        <a:spcAft>
+                          <a:spcPts val="0"/>
+                        </a:spcAft>
+                      </a:pPr>
+                      <a:r>
+                        <a:rPr lang="en-US" sz="2400" kern="100" dirty="0">
+                          <a:solidFill>
+                            <a:schemeClr val="dk1"/>
+                          </a:solidFill>
+                          <a:effectLst/>
+                          <a:latin typeface="Times New Roman" panose="02020603050405020304" pitchFamily="18" charset="0"/>
+                          <a:ea typeface="宋体" panose="02010600030101010101" pitchFamily="2" charset="-122"/>
+                          <a:cs typeface="+mn-cs"/>
+                        </a:rPr>
+                        <a:t>15</a:t>
+                      </a:r>
+                      <a:endParaRPr lang="zh-CN" sz="2400" kern="100" dirty="0">
+                        <a:solidFill>
+                          <a:schemeClr val="dk1"/>
+                        </a:solidFill>
+                        <a:effectLst/>
+                        <a:latin typeface="Times New Roman" panose="02020603050405020304" pitchFamily="18" charset="0"/>
+                        <a:ea typeface="宋体" panose="02010600030101010101" pitchFamily="2" charset="-122"/>
+                        <a:cs typeface="+mn-cs"/>
+                      </a:endParaRPr>
+                    </a:p>
+                  </a:txBody>
+                  <a:tcPr marL="68580" marR="68580" marT="0" marB="0"/>
+                </a:tc>
+                <a:tc>
+                  <a:txBody>
+                    <a:bodyPr/>
+                    <a:lstStyle/>
+                    <a:p>
+                      <a:pPr marL="0" algn="just" defTabSz="914400" rtl="0" eaLnBrk="1" latinLnBrk="0" hangingPunct="1">
+                        <a:spcAft>
+                          <a:spcPts val="0"/>
+                        </a:spcAft>
+                      </a:pPr>
+                      <a:r>
+                        <a:rPr lang="zh-CN" sz="2400" kern="100" dirty="0">
+                          <a:solidFill>
+                            <a:schemeClr val="dk1"/>
+                          </a:solidFill>
+                          <a:effectLst/>
+                          <a:latin typeface="Times New Roman" panose="02020603050405020304" pitchFamily="18" charset="0"/>
+                          <a:ea typeface="宋体" panose="02010600030101010101" pitchFamily="2" charset="-122"/>
+                          <a:cs typeface="+mn-cs"/>
+                        </a:rPr>
+                        <a:t>第七章 字符串</a:t>
+                      </a:r>
+                    </a:p>
+                  </a:txBody>
+                  <a:tcPr marL="68580" marR="68580" marT="0" marB="0"/>
+                </a:tc>
+              </a:tr>
+              <a:tr h="370840">
+                <a:tc>
+                  <a:txBody>
+                    <a:bodyPr/>
+                    <a:lstStyle/>
+                    <a:p>
+                      <a:pPr marL="0" algn="ctr" defTabSz="914400" rtl="0" eaLnBrk="1" latinLnBrk="0" hangingPunct="1">
+                        <a:spcAft>
+                          <a:spcPts val="0"/>
+                        </a:spcAft>
+                      </a:pPr>
+                      <a:r>
+                        <a:rPr lang="en-US" sz="2400" kern="100" dirty="0">
+                          <a:solidFill>
+                            <a:schemeClr val="dk1"/>
+                          </a:solidFill>
+                          <a:effectLst/>
+                          <a:latin typeface="Times New Roman" panose="02020603050405020304" pitchFamily="18" charset="0"/>
+                          <a:ea typeface="宋体" panose="02010600030101010101" pitchFamily="2" charset="-122"/>
+                          <a:cs typeface="+mn-cs"/>
+                        </a:rPr>
+                        <a:t>16</a:t>
+                      </a:r>
+                      <a:endParaRPr lang="zh-CN" sz="2400" kern="100" dirty="0">
+                        <a:solidFill>
+                          <a:schemeClr val="dk1"/>
+                        </a:solidFill>
+                        <a:effectLst/>
+                        <a:latin typeface="Times New Roman" panose="02020603050405020304" pitchFamily="18" charset="0"/>
+                        <a:ea typeface="宋体" panose="02010600030101010101" pitchFamily="2" charset="-122"/>
+                        <a:cs typeface="+mn-cs"/>
+                      </a:endParaRPr>
+                    </a:p>
+                  </a:txBody>
+                  <a:tcPr marL="68580" marR="68580" marT="0" marB="0"/>
+                </a:tc>
+                <a:tc>
+                  <a:txBody>
+                    <a:bodyPr/>
+                    <a:lstStyle/>
+                    <a:p>
+                      <a:pPr marL="0" algn="just" defTabSz="914400" rtl="0" eaLnBrk="1" latinLnBrk="0" hangingPunct="1">
+                        <a:spcAft>
+                          <a:spcPts val="0"/>
+                        </a:spcAft>
+                      </a:pPr>
+                      <a:r>
+                        <a:rPr lang="zh-CN" sz="2400" kern="100" dirty="0">
+                          <a:solidFill>
+                            <a:schemeClr val="dk1"/>
+                          </a:solidFill>
+                          <a:effectLst/>
+                          <a:latin typeface="Times New Roman" panose="02020603050405020304" pitchFamily="18" charset="0"/>
+                          <a:ea typeface="宋体" panose="02010600030101010101" pitchFamily="2" charset="-122"/>
+                          <a:cs typeface="+mn-cs"/>
+                        </a:rPr>
+                        <a:t>第六</a:t>
+                      </a:r>
+                      <a:r>
+                        <a:rPr lang="en-US" sz="2400" kern="100" dirty="0">
+                          <a:solidFill>
+                            <a:schemeClr val="dk1"/>
+                          </a:solidFill>
+                          <a:effectLst/>
+                          <a:latin typeface="Times New Roman" panose="02020603050405020304" pitchFamily="18" charset="0"/>
+                          <a:ea typeface="宋体" panose="02010600030101010101" pitchFamily="2" charset="-122"/>
+                          <a:cs typeface="+mn-cs"/>
+                        </a:rPr>
+                        <a:t>~</a:t>
+                      </a:r>
+                      <a:r>
+                        <a:rPr lang="zh-CN" sz="2400" kern="100" dirty="0">
+                          <a:solidFill>
+                            <a:schemeClr val="dk1"/>
+                          </a:solidFill>
+                          <a:effectLst/>
+                          <a:latin typeface="Times New Roman" panose="02020603050405020304" pitchFamily="18" charset="0"/>
+                          <a:ea typeface="宋体" panose="02010600030101010101" pitchFamily="2" charset="-122"/>
+                          <a:cs typeface="+mn-cs"/>
+                        </a:rPr>
+                        <a:t>七章 习题课</a:t>
+                      </a:r>
+                    </a:p>
+                  </a:txBody>
+                  <a:tcPr marL="68580" marR="68580" marT="0" marB="0"/>
+                </a:tc>
+              </a:tr>
+              <a:tr h="370840">
+                <a:tc>
+                  <a:txBody>
+                    <a:bodyPr/>
+                    <a:lstStyle/>
+                    <a:p>
+                      <a:pPr marL="0" algn="ctr" defTabSz="914400" rtl="0" eaLnBrk="1" latinLnBrk="0" hangingPunct="1">
+                        <a:spcAft>
+                          <a:spcPts val="0"/>
+                        </a:spcAft>
+                      </a:pPr>
+                      <a:r>
+                        <a:rPr lang="en-US" sz="2400" kern="100" dirty="0">
+                          <a:solidFill>
+                            <a:schemeClr val="dk1"/>
+                          </a:solidFill>
+                          <a:effectLst/>
+                          <a:latin typeface="Times New Roman" panose="02020603050405020304" pitchFamily="18" charset="0"/>
+                          <a:ea typeface="宋体" panose="02010600030101010101" pitchFamily="2" charset="-122"/>
+                          <a:cs typeface="+mn-cs"/>
+                        </a:rPr>
+                        <a:t>17</a:t>
+                      </a:r>
+                      <a:endParaRPr lang="zh-CN" sz="2400" kern="100" dirty="0">
+                        <a:solidFill>
+                          <a:schemeClr val="dk1"/>
+                        </a:solidFill>
+                        <a:effectLst/>
+                        <a:latin typeface="Times New Roman" panose="02020603050405020304" pitchFamily="18" charset="0"/>
+                        <a:ea typeface="宋体" panose="02010600030101010101" pitchFamily="2" charset="-122"/>
+                        <a:cs typeface="+mn-cs"/>
+                      </a:endParaRPr>
+                    </a:p>
+                  </a:txBody>
+                  <a:tcPr marL="68580" marR="68580" marT="0" marB="0"/>
+                </a:tc>
+                <a:tc>
+                  <a:txBody>
+                    <a:bodyPr/>
+                    <a:lstStyle/>
+                    <a:p>
+                      <a:pPr marL="0" algn="just" defTabSz="914400" rtl="0" eaLnBrk="1" latinLnBrk="0" hangingPunct="1">
+                        <a:spcAft>
+                          <a:spcPts val="0"/>
+                        </a:spcAft>
+                      </a:pPr>
+                      <a:r>
+                        <a:rPr lang="zh-CN" sz="2400" kern="100" dirty="0">
+                          <a:solidFill>
+                            <a:schemeClr val="dk1"/>
+                          </a:solidFill>
+                          <a:effectLst/>
+                          <a:latin typeface="Times New Roman" panose="02020603050405020304" pitchFamily="18" charset="0"/>
+                          <a:ea typeface="宋体" panose="02010600030101010101" pitchFamily="2" charset="-122"/>
+                          <a:cs typeface="+mn-cs"/>
+                        </a:rPr>
+                        <a:t>课程复习</a:t>
+                      </a:r>
+                    </a:p>
+                  </a:txBody>
+                  <a:tcPr marL="68580" marR="68580" marT="0" marB="0"/>
+                </a:tc>
+              </a:tr>
+            </a:tbl>
+          </a:graphicData>
+        </a:graphic>
+      </p:graphicFrame>
     </p:spTree>
     <p:extLst>
       <p:ext uri="{BB962C8B-B14F-4D97-AF65-F5344CB8AC3E}">
-        <p14:creationId xmlns:p14="http://schemas.microsoft.com/office/powerpoint/2010/main" val="2358820556"/>
+        <p14:creationId xmlns:p14="http://schemas.microsoft.com/office/powerpoint/2010/main" val="1706974690"/>
       </p:ext>
     </p:extLst>
   </p:cSld>
